--- a/Classes/20220903.pptx
+++ b/Classes/20220903.pptx
@@ -5,10 +5,10 @@
     <p:sldMasterId id="2147483648" r:id="rId1"/>
   </p:sldMasterIdLst>
   <p:notesMasterIdLst>
-    <p:notesMasterId r:id="rId28"/>
+    <p:notesMasterId r:id="rId29"/>
   </p:notesMasterIdLst>
   <p:handoutMasterIdLst>
-    <p:handoutMasterId r:id="rId29"/>
+    <p:handoutMasterId r:id="rId30"/>
   </p:handoutMasterIdLst>
   <p:sldIdLst>
     <p:sldId id="256" r:id="rId2"/>
@@ -16,27 +16,28 @@
     <p:sldId id="1754" r:id="rId4"/>
     <p:sldId id="1755" r:id="rId5"/>
     <p:sldId id="1756" r:id="rId6"/>
-    <p:sldId id="1734" r:id="rId7"/>
-    <p:sldId id="1735" r:id="rId8"/>
-    <p:sldId id="1726" r:id="rId9"/>
-    <p:sldId id="1727" r:id="rId10"/>
-    <p:sldId id="1737" r:id="rId11"/>
-    <p:sldId id="1739" r:id="rId12"/>
-    <p:sldId id="1740" r:id="rId13"/>
-    <p:sldId id="1743" r:id="rId14"/>
-    <p:sldId id="1742" r:id="rId15"/>
-    <p:sldId id="1744" r:id="rId16"/>
-    <p:sldId id="1745" r:id="rId17"/>
-    <p:sldId id="1741" r:id="rId18"/>
-    <p:sldId id="1747" r:id="rId19"/>
-    <p:sldId id="1746" r:id="rId20"/>
-    <p:sldId id="1748" r:id="rId21"/>
-    <p:sldId id="1749" r:id="rId22"/>
-    <p:sldId id="1750" r:id="rId23"/>
-    <p:sldId id="1751" r:id="rId24"/>
-    <p:sldId id="1752" r:id="rId25"/>
-    <p:sldId id="1753" r:id="rId26"/>
-    <p:sldId id="906" r:id="rId27"/>
+    <p:sldId id="1757" r:id="rId7"/>
+    <p:sldId id="1734" r:id="rId8"/>
+    <p:sldId id="1735" r:id="rId9"/>
+    <p:sldId id="1726" r:id="rId10"/>
+    <p:sldId id="1727" r:id="rId11"/>
+    <p:sldId id="1737" r:id="rId12"/>
+    <p:sldId id="1739" r:id="rId13"/>
+    <p:sldId id="1740" r:id="rId14"/>
+    <p:sldId id="1743" r:id="rId15"/>
+    <p:sldId id="1742" r:id="rId16"/>
+    <p:sldId id="1744" r:id="rId17"/>
+    <p:sldId id="1745" r:id="rId18"/>
+    <p:sldId id="1741" r:id="rId19"/>
+    <p:sldId id="1747" r:id="rId20"/>
+    <p:sldId id="1746" r:id="rId21"/>
+    <p:sldId id="1748" r:id="rId22"/>
+    <p:sldId id="1749" r:id="rId23"/>
+    <p:sldId id="1750" r:id="rId24"/>
+    <p:sldId id="1751" r:id="rId25"/>
+    <p:sldId id="1752" r:id="rId26"/>
+    <p:sldId id="1753" r:id="rId27"/>
+    <p:sldId id="906" r:id="rId28"/>
   </p:sldIdLst>
   <p:sldSz cx="9144000" cy="6858000" type="screen4x3"/>
   <p:notesSz cx="6918325" cy="9204325"/>
@@ -1838,38 +1839,62 @@
       </p:grpSpPr>
       <p:sp>
         <p:nvSpPr>
-          <p:cNvPr id="2" name="Slide Image Placeholder 1"/>
+          <p:cNvPr id="106498" name="Slide Image Placeholder 1">
+            <a:extLst>
+              <a:ext uri="{FF2B5EF4-FFF2-40B4-BE49-F238E27FC236}">
+                <a16:creationId xmlns:a16="http://schemas.microsoft.com/office/drawing/2014/main" id="{A9E893DF-A47F-4D58-AE48-443164D96B04}"/>
+              </a:ext>
+            </a:extLst>
+          </p:cNvPr>
           <p:cNvSpPr>
-            <a:spLocks noGrp="1" noRot="1" noChangeAspect="1"/>
+            <a:spLocks noGrp="1" noRot="1" noChangeAspect="1" noTextEdit="1"/>
           </p:cNvSpPr>
           <p:nvPr>
             <p:ph type="sldImg"/>
           </p:nvPr>
         </p:nvSpPr>
-        <p:spPr/>
-      </p:sp>
-      <p:sp>
-        <p:nvSpPr>
-          <p:cNvPr id="3" name="Notes Placeholder 2"/>
+        <p:spPr>
+          <a:ln/>
+        </p:spPr>
+      </p:sp>
+      <p:sp>
+        <p:nvSpPr>
+          <p:cNvPr id="62467" name="Notes Placeholder 2">
+            <a:extLst>
+              <a:ext uri="{FF2B5EF4-FFF2-40B4-BE49-F238E27FC236}">
+                <a16:creationId xmlns:a16="http://schemas.microsoft.com/office/drawing/2014/main" id="{4C269B97-F3AD-4E3C-BFCD-9C7401D9E02D}"/>
+              </a:ext>
+            </a:extLst>
+          </p:cNvPr>
           <p:cNvSpPr>
-            <a:spLocks noGrp="1"/>
+            <a:spLocks noGrp="1" noChangeArrowheads="1"/>
           </p:cNvSpPr>
           <p:nvPr>
             <p:ph type="body" idx="1"/>
           </p:nvPr>
         </p:nvSpPr>
-        <p:spPr/>
+        <p:spPr>
+          <a:noFill/>
+        </p:spPr>
         <p:txBody>
           <a:bodyPr/>
           <a:lstStyle/>
           <a:p>
-            <a:endParaRPr lang="en-US" dirty="0"/>
-          </a:p>
-        </p:txBody>
-      </p:sp>
-      <p:sp>
-        <p:nvSpPr>
-          <p:cNvPr id="4" name="Slide Number Placeholder 3"/>
+            <a:endParaRPr lang="en-US" altLang="en-US">
+              <a:latin typeface="Arial" panose="020B0604020202020204" pitchFamily="34" charset="0"/>
+            </a:endParaRPr>
+          </a:p>
+        </p:txBody>
+      </p:sp>
+      <p:sp>
+        <p:nvSpPr>
+          <p:cNvPr id="62468" name="Slide Number Placeholder 3">
+            <a:extLst>
+              <a:ext uri="{FF2B5EF4-FFF2-40B4-BE49-F238E27FC236}">
+                <a16:creationId xmlns:a16="http://schemas.microsoft.com/office/drawing/2014/main" id="{7025833E-DAE3-4046-A26D-FA7F5CDEDDE0}"/>
+              </a:ext>
+            </a:extLst>
+          </p:cNvPr>
           <p:cNvSpPr>
             <a:spLocks noGrp="1"/>
           </p:cNvSpPr>
@@ -1877,29 +1902,123 @@
             <p:ph type="sldNum" sz="quarter" idx="5"/>
           </p:nvPr>
         </p:nvSpPr>
-        <p:spPr/>
+        <p:spPr>
+          <a:noFill/>
+        </p:spPr>
         <p:txBody>
           <a:bodyPr/>
-          <a:lstStyle/>
-          <a:p>
-            <a:pPr>
-              <a:defRPr/>
-            </a:pPr>
-            <a:fld id="{111B51C8-6CD4-4364-BA4A-B56425E898D1}" type="slidenum">
-              <a:rPr lang="en-US" altLang="en-US" smtClean="0"/>
-              <a:pPr>
-                <a:defRPr/>
-              </a:pPr>
-              <a:t>9</a:t>
+          <a:lstStyle>
+            <a:lvl1pPr defTabSz="920750">
+              <a:defRPr sz="2000" b="1">
+                <a:solidFill>
+                  <a:schemeClr val="tx1"/>
+                </a:solidFill>
+                <a:latin typeface="Arial" panose="020B0604020202020204" pitchFamily="34" charset="0"/>
+              </a:defRPr>
+            </a:lvl1pPr>
+            <a:lvl2pPr marL="742950" indent="-285750" defTabSz="920750">
+              <a:defRPr sz="2000" b="1">
+                <a:solidFill>
+                  <a:schemeClr val="tx1"/>
+                </a:solidFill>
+                <a:latin typeface="Arial" panose="020B0604020202020204" pitchFamily="34" charset="0"/>
+              </a:defRPr>
+            </a:lvl2pPr>
+            <a:lvl3pPr marL="1143000" indent="-228600" defTabSz="920750">
+              <a:defRPr sz="2000" b="1">
+                <a:solidFill>
+                  <a:schemeClr val="tx1"/>
+                </a:solidFill>
+                <a:latin typeface="Arial" panose="020B0604020202020204" pitchFamily="34" charset="0"/>
+              </a:defRPr>
+            </a:lvl3pPr>
+            <a:lvl4pPr marL="1600200" indent="-228600" defTabSz="920750">
+              <a:defRPr sz="2000" b="1">
+                <a:solidFill>
+                  <a:schemeClr val="tx1"/>
+                </a:solidFill>
+                <a:latin typeface="Arial" panose="020B0604020202020204" pitchFamily="34" charset="0"/>
+              </a:defRPr>
+            </a:lvl4pPr>
+            <a:lvl5pPr marL="2057400" indent="-228600" defTabSz="920750">
+              <a:defRPr sz="2000" b="1">
+                <a:solidFill>
+                  <a:schemeClr val="tx1"/>
+                </a:solidFill>
+                <a:latin typeface="Arial" panose="020B0604020202020204" pitchFamily="34" charset="0"/>
+              </a:defRPr>
+            </a:lvl5pPr>
+            <a:lvl6pPr marL="2514600" indent="-228600" defTabSz="920750" eaLnBrk="0" fontAlgn="base" hangingPunct="0">
+              <a:spcBef>
+                <a:spcPct val="0"/>
+              </a:spcBef>
+              <a:spcAft>
+                <a:spcPct val="0"/>
+              </a:spcAft>
+              <a:defRPr sz="2000" b="1">
+                <a:solidFill>
+                  <a:schemeClr val="tx1"/>
+                </a:solidFill>
+                <a:latin typeface="Arial" panose="020B0604020202020204" pitchFamily="34" charset="0"/>
+              </a:defRPr>
+            </a:lvl6pPr>
+            <a:lvl7pPr marL="2971800" indent="-228600" defTabSz="920750" eaLnBrk="0" fontAlgn="base" hangingPunct="0">
+              <a:spcBef>
+                <a:spcPct val="0"/>
+              </a:spcBef>
+              <a:spcAft>
+                <a:spcPct val="0"/>
+              </a:spcAft>
+              <a:defRPr sz="2000" b="1">
+                <a:solidFill>
+                  <a:schemeClr val="tx1"/>
+                </a:solidFill>
+                <a:latin typeface="Arial" panose="020B0604020202020204" pitchFamily="34" charset="0"/>
+              </a:defRPr>
+            </a:lvl7pPr>
+            <a:lvl8pPr marL="3429000" indent="-228600" defTabSz="920750" eaLnBrk="0" fontAlgn="base" hangingPunct="0">
+              <a:spcBef>
+                <a:spcPct val="0"/>
+              </a:spcBef>
+              <a:spcAft>
+                <a:spcPct val="0"/>
+              </a:spcAft>
+              <a:defRPr sz="2000" b="1">
+                <a:solidFill>
+                  <a:schemeClr val="tx1"/>
+                </a:solidFill>
+                <a:latin typeface="Arial" panose="020B0604020202020204" pitchFamily="34" charset="0"/>
+              </a:defRPr>
+            </a:lvl8pPr>
+            <a:lvl9pPr marL="3886200" indent="-228600" defTabSz="920750" eaLnBrk="0" fontAlgn="base" hangingPunct="0">
+              <a:spcBef>
+                <a:spcPct val="0"/>
+              </a:spcBef>
+              <a:spcAft>
+                <a:spcPct val="0"/>
+              </a:spcAft>
+              <a:defRPr sz="2000" b="1">
+                <a:solidFill>
+                  <a:schemeClr val="tx1"/>
+                </a:solidFill>
+                <a:latin typeface="Arial" panose="020B0604020202020204" pitchFamily="34" charset="0"/>
+              </a:defRPr>
+            </a:lvl9pPr>
+          </a:lstStyle>
+          <a:p>
+            <a:fld id="{BC692357-ED53-4B4C-AA76-0BACF0897969}" type="slidenum">
+              <a:rPr lang="en-US" altLang="en-US" sz="1200" b="0" smtClean="0"/>
+              <a:pPr/>
+              <a:t>6</a:t>
             </a:fld>
-            <a:endParaRPr lang="en-US" altLang="en-US"/>
+            <a:endParaRPr lang="en-US" altLang="en-US" sz="1200" b="0"/>
           </a:p>
         </p:txBody>
       </p:sp>
     </p:spTree>
     <p:extLst>
       <p:ext uri="{BB962C8B-B14F-4D97-AF65-F5344CB8AC3E}">
-        <p14:creationId xmlns:p14="http://schemas.microsoft.com/office/powerpoint/2010/main" val="709462939"/>
+        <p14:creationId xmlns:p14="http://schemas.microsoft.com/office/powerpoint/2010/main" val="4088468543"/>
       </p:ext>
     </p:extLst>
   </p:cSld>
@@ -1928,6 +2047,96 @@
       </p:grpSpPr>
       <p:sp>
         <p:nvSpPr>
+          <p:cNvPr id="2" name="Slide Image Placeholder 1"/>
+          <p:cNvSpPr>
+            <a:spLocks noGrp="1" noRot="1" noChangeAspect="1"/>
+          </p:cNvSpPr>
+          <p:nvPr>
+            <p:ph type="sldImg"/>
+          </p:nvPr>
+        </p:nvSpPr>
+        <p:spPr/>
+      </p:sp>
+      <p:sp>
+        <p:nvSpPr>
+          <p:cNvPr id="3" name="Notes Placeholder 2"/>
+          <p:cNvSpPr>
+            <a:spLocks noGrp="1"/>
+          </p:cNvSpPr>
+          <p:nvPr>
+            <p:ph type="body" idx="1"/>
+          </p:nvPr>
+        </p:nvSpPr>
+        <p:spPr/>
+        <p:txBody>
+          <a:bodyPr/>
+          <a:lstStyle/>
+          <a:p>
+            <a:endParaRPr lang="en-US" dirty="0"/>
+          </a:p>
+        </p:txBody>
+      </p:sp>
+      <p:sp>
+        <p:nvSpPr>
+          <p:cNvPr id="4" name="Slide Number Placeholder 3"/>
+          <p:cNvSpPr>
+            <a:spLocks noGrp="1"/>
+          </p:cNvSpPr>
+          <p:nvPr>
+            <p:ph type="sldNum" sz="quarter" idx="5"/>
+          </p:nvPr>
+        </p:nvSpPr>
+        <p:spPr/>
+        <p:txBody>
+          <a:bodyPr/>
+          <a:lstStyle/>
+          <a:p>
+            <a:pPr>
+              <a:defRPr/>
+            </a:pPr>
+            <a:fld id="{111B51C8-6CD4-4364-BA4A-B56425E898D1}" type="slidenum">
+              <a:rPr lang="en-US" altLang="en-US" smtClean="0"/>
+              <a:pPr>
+                <a:defRPr/>
+              </a:pPr>
+              <a:t>10</a:t>
+            </a:fld>
+            <a:endParaRPr lang="en-US" altLang="en-US"/>
+          </a:p>
+        </p:txBody>
+      </p:sp>
+    </p:spTree>
+    <p:extLst>
+      <p:ext uri="{BB962C8B-B14F-4D97-AF65-F5344CB8AC3E}">
+        <p14:creationId xmlns:p14="http://schemas.microsoft.com/office/powerpoint/2010/main" val="709462939"/>
+      </p:ext>
+    </p:extLst>
+  </p:cSld>
+  <p:clrMapOvr>
+    <a:masterClrMapping/>
+  </p:clrMapOvr>
+</p:notes>
+</file>
+
+<file path=ppt/notesSlides/notesSlide6.xml><?xml version="1.0" encoding="utf-8"?>
+<p:notes xmlns:a="http://schemas.openxmlformats.org/drawingml/2006/main" xmlns:r="http://schemas.openxmlformats.org/officeDocument/2006/relationships" xmlns:p="http://schemas.openxmlformats.org/presentationml/2006/main">
+  <p:cSld>
+    <p:spTree>
+      <p:nvGrpSpPr>
+        <p:cNvPr id="1" name=""/>
+        <p:cNvGrpSpPr/>
+        <p:nvPr/>
+      </p:nvGrpSpPr>
+      <p:grpSpPr>
+        <a:xfrm>
+          <a:off x="0" y="0"/>
+          <a:ext cx="0" cy="0"/>
+          <a:chOff x="0" y="0"/>
+          <a:chExt cx="0" cy="0"/>
+        </a:xfrm>
+      </p:grpSpPr>
+      <p:sp>
+        <p:nvSpPr>
           <p:cNvPr id="106498" name="Slide Image Placeholder 1">
             <a:extLst>
               <a:ext uri="{FF2B5EF4-FFF2-40B4-BE49-F238E27FC236}">
@@ -2098,7 +2307,7 @@
             <a:fld id="{BC692357-ED53-4B4C-AA76-0BACF0897969}" type="slidenum">
               <a:rPr lang="en-US" altLang="en-US" sz="1200" b="0" smtClean="0"/>
               <a:pPr/>
-              <a:t>26</a:t>
+              <a:t>27</a:t>
             </a:fld>
             <a:endParaRPr lang="en-US" altLang="en-US" sz="1200" b="0"/>
           </a:p>
@@ -4832,10 +5041,10 @@
       </p:grpSpPr>
       <p:sp>
         <p:nvSpPr>
-          <p:cNvPr id="3" name="TextBox 2">
+          <p:cNvPr id="37" name="TextBox 36">
             <a:extLst>
               <a:ext uri="{FF2B5EF4-FFF2-40B4-BE49-F238E27FC236}">
-                <a16:creationId xmlns:a16="http://schemas.microsoft.com/office/drawing/2014/main" id="{AF8FC9BB-9DB2-095C-1565-78DB9BCA5227}"/>
+                <a16:creationId xmlns:a16="http://schemas.microsoft.com/office/drawing/2014/main" id="{5BD6C4CA-23E6-C741-AE81-7C46397A0B68}"/>
               </a:ext>
             </a:extLst>
           </p:cNvPr>
@@ -4844,8 +5053,8 @@
         </p:nvSpPr>
         <p:spPr>
           <a:xfrm>
-            <a:off x="7165428" y="857250"/>
-            <a:ext cx="1978573" cy="323165"/>
+            <a:off x="731405" y="139114"/>
+            <a:ext cx="3877985" cy="646331"/>
           </a:xfrm>
           <a:prstGeom prst="rect">
             <a:avLst/>
@@ -4853,101 +5062,38 @@
           <a:noFill/>
         </p:spPr>
         <p:txBody>
-          <a:bodyPr wrap="square" rtlCol="0">
+          <a:bodyPr wrap="none" rtlCol="0">
             <a:spAutoFit/>
           </a:bodyPr>
           <a:lstStyle/>
           <a:p>
-            <a:pPr algn="r"/>
-            <a:r>
-              <a:rPr lang="en-US" altLang="zh-CN" sz="1500" dirty="0">
-                <a:solidFill>
-                  <a:schemeClr val="bg1">
-                    <a:lumMod val="85000"/>
-                  </a:schemeClr>
-                </a:solidFill>
-              </a:rPr>
-              <a:t>AAFIE, 2022</a:t>
-            </a:r>
-            <a:endParaRPr lang="en-US" sz="1500" dirty="0">
-              <a:solidFill>
-                <a:schemeClr val="bg1">
-                  <a:lumMod val="85000"/>
-                </a:schemeClr>
-              </a:solidFill>
+            <a:r>
+              <a:rPr lang="zh-CN" altLang="en-US" sz="3600" b="0" dirty="0">
+                <a:latin typeface="Cambria Math" panose="02040503050406030204" pitchFamily="18" charset="0"/>
+                <a:ea typeface="Cambria Math" panose="02040503050406030204" pitchFamily="18" charset="0"/>
+              </a:rPr>
+              <a:t>制造行业</a:t>
+            </a:r>
+            <a:r>
+              <a:rPr lang="en-US" sz="3600" b="0" dirty="0" err="1">
+                <a:latin typeface="Cambria Math" panose="02040503050406030204" pitchFamily="18" charset="0"/>
+                <a:ea typeface="Cambria Math" panose="02040503050406030204" pitchFamily="18" charset="0"/>
+              </a:rPr>
+              <a:t>数智平台</a:t>
+            </a:r>
+            <a:endParaRPr lang="en-US" sz="3600" b="0" dirty="0">
+              <a:latin typeface="Cambria Math" panose="02040503050406030204" pitchFamily="18" charset="0"/>
+              <a:ea typeface="Cambria Math" panose="02040503050406030204" pitchFamily="18" charset="0"/>
             </a:endParaRPr>
           </a:p>
         </p:txBody>
       </p:sp>
       <p:sp>
         <p:nvSpPr>
-          <p:cNvPr id="6" name="Rectangle 5">
+          <p:cNvPr id="38" name="TextBox 37">
             <a:extLst>
               <a:ext uri="{FF2B5EF4-FFF2-40B4-BE49-F238E27FC236}">
-                <a16:creationId xmlns:a16="http://schemas.microsoft.com/office/drawing/2014/main" id="{13032951-E9CC-2D76-705B-8BDD5A5BDABB}"/>
-              </a:ext>
-            </a:extLst>
-          </p:cNvPr>
-          <p:cNvSpPr/>
-          <p:nvPr/>
-        </p:nvSpPr>
-        <p:spPr>
-          <a:xfrm>
-            <a:off x="530450" y="1180415"/>
-            <a:ext cx="3515646" cy="584775"/>
-          </a:xfrm>
-          <a:prstGeom prst="rect">
-            <a:avLst/>
-          </a:prstGeom>
-        </p:spPr>
-        <p:txBody>
-          <a:bodyPr wrap="square">
-            <a:spAutoFit/>
-          </a:bodyPr>
-          <a:lstStyle/>
-          <a:p>
-            <a:r>
-              <a:rPr lang="en-US" sz="1600" dirty="0">
-                <a:latin typeface="+mj-lt"/>
-              </a:rPr>
-              <a:t>Predictive Maintenance</a:t>
-            </a:r>
-          </a:p>
-          <a:p>
-            <a:r>
-              <a:rPr lang="en-US" sz="1600" dirty="0">
-                <a:latin typeface="+mj-lt"/>
-              </a:rPr>
-              <a:t>/</a:t>
-            </a:r>
-            <a:r>
-              <a:rPr lang="zh-CN" altLang="en-US" sz="1600" dirty="0">
-                <a:latin typeface="+mj-lt"/>
-              </a:rPr>
-              <a:t>预测性维护</a:t>
-            </a:r>
-            <a:r>
-              <a:rPr lang="en-US" altLang="zh-CN" sz="1600" dirty="0">
-                <a:latin typeface="+mj-lt"/>
-              </a:rPr>
-              <a:t> </a:t>
-            </a:r>
-            <a:r>
-              <a:rPr lang="en-US" sz="1600" dirty="0">
-                <a:latin typeface="+mj-lt"/>
-                <a:ea typeface="Cambria Math" panose="02040503050406030204" pitchFamily="18" charset="0"/>
-              </a:rPr>
-              <a:t>  </a:t>
-            </a:r>
-          </a:p>
-        </p:txBody>
-      </p:sp>
-      <p:sp>
-        <p:nvSpPr>
-          <p:cNvPr id="7" name="TextBox 6">
-            <a:extLst>
-              <a:ext uri="{FF2B5EF4-FFF2-40B4-BE49-F238E27FC236}">
-                <a16:creationId xmlns:a16="http://schemas.microsoft.com/office/drawing/2014/main" id="{F5F8CC04-E77A-23D4-92DE-910BAB013247}"/>
+                <a16:creationId xmlns:a16="http://schemas.microsoft.com/office/drawing/2014/main" id="{47BA4ADE-518D-004D-9355-730C6603875F}"/>
               </a:ext>
             </a:extLst>
           </p:cNvPr>
@@ -4956,8 +5102,8 @@
         </p:nvSpPr>
         <p:spPr>
           <a:xfrm>
-            <a:off x="4230600" y="1042905"/>
-            <a:ext cx="4284844" cy="1815882"/>
+            <a:off x="726141" y="5811471"/>
+            <a:ext cx="8085350" cy="461665"/>
           </a:xfrm>
           <a:prstGeom prst="rect">
             <a:avLst/>
@@ -4965,272 +5111,79 @@
           <a:noFill/>
         </p:spPr>
         <p:txBody>
-          <a:bodyPr wrap="square" rtlCol="0">
+          <a:bodyPr wrap="square">
             <a:spAutoFit/>
           </a:bodyPr>
           <a:lstStyle/>
           <a:p>
-            <a:pPr algn="l"/>
-            <a:r>
-              <a:rPr lang="en-US" sz="1600" i="0" u="sng" dirty="0">
-                <a:solidFill>
-                  <a:srgbClr val="000000"/>
-                </a:solidFill>
-                <a:effectLst/>
-                <a:latin typeface="+mj-lt"/>
-              </a:rPr>
-              <a:t>Agile Production</a:t>
-            </a:r>
-            <a:r>
-              <a:rPr lang="en-US" sz="1600" u="sng" dirty="0">
-                <a:solidFill>
-                  <a:srgbClr val="000000"/>
-                </a:solidFill>
-                <a:latin typeface="+mj-lt"/>
-              </a:rPr>
-              <a:t>/</a:t>
-            </a:r>
-            <a:r>
-              <a:rPr lang="zh-CN" altLang="en-US" sz="1600" u="sng" dirty="0">
-                <a:latin typeface="+mj-lt"/>
-                <a:ea typeface="Cambria Math" panose="02040503050406030204" pitchFamily="18" charset="0"/>
-              </a:rPr>
-              <a:t>敏捷制造</a:t>
-            </a:r>
-            <a:endParaRPr lang="en-US" altLang="zh-CN" sz="1600" u="sng" dirty="0">
-              <a:latin typeface="+mj-lt"/>
-              <a:ea typeface="Cambria Math" panose="02040503050406030204" pitchFamily="18" charset="0"/>
+            <a:r>
+              <a:rPr lang="zh-CN" altLang="en-US" sz="2400" b="0" dirty="0">
+                <a:latin typeface="NSimSun" panose="02010609030101010101" pitchFamily="49" charset="-122"/>
+                <a:ea typeface="NSimSun" panose="02010609030101010101" pitchFamily="49" charset="-122"/>
+              </a:rPr>
+              <a:t>通过能源和⼯艺优化降低制造成本，成为简单的</a:t>
+            </a:r>
+            <a:r>
+              <a:rPr lang="en-US" altLang="zh-CN" sz="2400" b="0" dirty="0">
+                <a:latin typeface="NSimSun" panose="02010609030101010101" pitchFamily="49" charset="-122"/>
+                <a:ea typeface="NSimSun" panose="02010609030101010101" pitchFamily="49" charset="-122"/>
+              </a:rPr>
+              <a:t>APP</a:t>
+            </a:r>
+            <a:r>
+              <a:rPr lang="zh-CN" altLang="en-US" sz="2400" b="0" dirty="0">
+                <a:latin typeface="NSimSun" panose="02010609030101010101" pitchFamily="49" charset="-122"/>
+                <a:ea typeface="NSimSun" panose="02010609030101010101" pitchFamily="49" charset="-122"/>
+              </a:rPr>
+              <a:t>开发</a:t>
+            </a:r>
+            <a:endParaRPr lang="en-US" sz="2400" b="0" dirty="0">
+              <a:latin typeface="NSimSun" panose="02010609030101010101" pitchFamily="49" charset="-122"/>
+              <a:ea typeface="NSimSun" panose="02010609030101010101" pitchFamily="49" charset="-122"/>
             </a:endParaRPr>
           </a:p>
-          <a:p>
-            <a:pPr algn="l"/>
-            <a:r>
-              <a:rPr lang="en-US" sz="1600" i="0" dirty="0">
-                <a:solidFill>
-                  <a:srgbClr val="1B1A1A"/>
-                </a:solidFill>
-                <a:effectLst/>
-                <a:latin typeface="+mj-lt"/>
-              </a:rPr>
-              <a:t>Agile production refers to the ability of the manufacturing unit to dynamically change the product schedule and execution according to the demand within the shift/day of operations</a:t>
-            </a:r>
-            <a:r>
-              <a:rPr lang="zh-CN" altLang="en-US" sz="1600" i="0" dirty="0">
-                <a:solidFill>
-                  <a:srgbClr val="1B1A1A"/>
-                </a:solidFill>
-                <a:effectLst/>
-                <a:latin typeface="+mj-lt"/>
-                <a:ea typeface="Cambria Math" panose="02040503050406030204" pitchFamily="18" charset="0"/>
-              </a:rPr>
-              <a:t>根据产品</a:t>
-            </a:r>
-            <a:r>
-              <a:rPr lang="en-US" altLang="zh-CN" sz="1600" i="0" dirty="0">
-                <a:solidFill>
-                  <a:srgbClr val="1B1A1A"/>
-                </a:solidFill>
-                <a:effectLst/>
-                <a:latin typeface="+mj-lt"/>
-                <a:ea typeface="Cambria Math" panose="02040503050406030204" pitchFamily="18" charset="0"/>
-              </a:rPr>
-              <a:t>/</a:t>
-            </a:r>
-            <a:r>
-              <a:rPr lang="zh-CN" altLang="en-US" sz="1600" i="0" dirty="0">
-                <a:solidFill>
-                  <a:srgbClr val="1B1A1A"/>
-                </a:solidFill>
-                <a:effectLst/>
-                <a:latin typeface="+mj-lt"/>
-                <a:ea typeface="Cambria Math" panose="02040503050406030204" pitchFamily="18" charset="0"/>
-              </a:rPr>
-              <a:t>产量需求以及车间设备状况等等，动态调整生产计划</a:t>
-            </a:r>
-            <a:endParaRPr lang="en-US" sz="1600" dirty="0">
-              <a:latin typeface="+mj-lt"/>
-              <a:ea typeface="Cambria Math" panose="02040503050406030204" pitchFamily="18" charset="0"/>
-            </a:endParaRPr>
-          </a:p>
-        </p:txBody>
-      </p:sp>
-      <p:sp>
-        <p:nvSpPr>
-          <p:cNvPr id="8" name="TextBox 7">
+        </p:txBody>
+      </p:sp>
+      <p:pic>
+        <p:nvPicPr>
+          <p:cNvPr id="21" name="Picture 20">
             <a:extLst>
               <a:ext uri="{FF2B5EF4-FFF2-40B4-BE49-F238E27FC236}">
-                <a16:creationId xmlns:a16="http://schemas.microsoft.com/office/drawing/2014/main" id="{DD77D5C8-CD61-B29F-26C7-1B19EBAECFE0}"/>
+                <a16:creationId xmlns:a16="http://schemas.microsoft.com/office/drawing/2014/main" id="{0D10A2F5-2B77-62B4-B01E-DAD327A0C2B8}"/>
               </a:ext>
             </a:extLst>
           </p:cNvPr>
-          <p:cNvSpPr txBox="1"/>
+          <p:cNvPicPr>
+            <a:picLocks noChangeAspect="1"/>
+          </p:cNvPicPr>
           <p:nvPr/>
-        </p:nvSpPr>
+        </p:nvPicPr>
+        <p:blipFill>
+          <a:blip r:embed="rId3">
+            <a:extLst>
+              <a:ext uri="{28A0092B-C50C-407E-A947-70E740481C1C}">
+                <a14:useLocalDpi xmlns:a14="http://schemas.microsoft.com/office/drawing/2010/main" val="0"/>
+              </a:ext>
+            </a:extLst>
+          </a:blip>
+          <a:stretch>
+            <a:fillRect/>
+          </a:stretch>
+        </p:blipFill>
         <p:spPr>
           <a:xfrm>
-            <a:off x="530450" y="3429000"/>
-            <a:ext cx="3286277" cy="830997"/>
+            <a:off x="486332" y="911567"/>
+            <a:ext cx="8171336" cy="4773781"/>
           </a:xfrm>
           <a:prstGeom prst="rect">
             <a:avLst/>
           </a:prstGeom>
-          <a:noFill/>
-        </p:spPr>
-        <p:txBody>
-          <a:bodyPr wrap="square" rtlCol="0">
-            <a:spAutoFit/>
-          </a:bodyPr>
-          <a:lstStyle/>
-          <a:p>
-            <a:r>
-              <a:rPr lang="en-US" sz="1600" dirty="0" err="1">
-                <a:latin typeface="+mj-lt"/>
-                <a:ea typeface="NSimSun" panose="02010609030101010101" pitchFamily="49" charset="-122"/>
-              </a:rPr>
-              <a:t>工艺参数的优化</a:t>
-            </a:r>
-            <a:endParaRPr lang="en-US" sz="1600" dirty="0">
-              <a:latin typeface="+mj-lt"/>
-              <a:ea typeface="NSimSun" panose="02010609030101010101" pitchFamily="49" charset="-122"/>
-            </a:endParaRPr>
-          </a:p>
-          <a:p>
-            <a:r>
-              <a:rPr lang="en-US" sz="1600" dirty="0">
-                <a:latin typeface="+mj-lt"/>
-                <a:ea typeface="Cambria Math" panose="02040503050406030204" pitchFamily="18" charset="0"/>
-              </a:rPr>
-              <a:t>Process </a:t>
-            </a:r>
-            <a:r>
-              <a:rPr lang="en-US" altLang="zh-CN" sz="1600" dirty="0">
-                <a:latin typeface="+mj-lt"/>
-                <a:ea typeface="Cambria Math" panose="02040503050406030204" pitchFamily="18" charset="0"/>
-              </a:rPr>
-              <a:t>p</a:t>
-            </a:r>
-            <a:r>
-              <a:rPr lang="en-US" sz="1600" dirty="0">
-                <a:latin typeface="+mj-lt"/>
-                <a:ea typeface="Cambria Math" panose="02040503050406030204" pitchFamily="18" charset="0"/>
-              </a:rPr>
-              <a:t>arameters optimization with AI</a:t>
-            </a:r>
-          </a:p>
-        </p:txBody>
-      </p:sp>
-      <p:sp>
-        <p:nvSpPr>
-          <p:cNvPr id="9" name="Rectangle 8">
-            <a:extLst>
-              <a:ext uri="{FF2B5EF4-FFF2-40B4-BE49-F238E27FC236}">
-                <a16:creationId xmlns:a16="http://schemas.microsoft.com/office/drawing/2014/main" id="{9BEF2C34-FEEF-D46E-737B-0001391E4098}"/>
-              </a:ext>
-            </a:extLst>
-          </p:cNvPr>
-          <p:cNvSpPr/>
-          <p:nvPr/>
-        </p:nvSpPr>
-        <p:spPr>
-          <a:xfrm>
-            <a:off x="4309132" y="3305890"/>
-            <a:ext cx="4304418" cy="1077218"/>
-          </a:xfrm>
-          <a:prstGeom prst="rect">
-            <a:avLst/>
-          </a:prstGeom>
-        </p:spPr>
-        <p:txBody>
-          <a:bodyPr wrap="square">
-            <a:spAutoFit/>
-          </a:bodyPr>
-          <a:lstStyle/>
-          <a:p>
-            <a:r>
-              <a:rPr lang="en-US" sz="1600" dirty="0">
-                <a:latin typeface="+mj-lt"/>
-              </a:rPr>
-              <a:t>Product Design/</a:t>
-            </a:r>
-            <a:r>
-              <a:rPr lang="zh-CN" altLang="en-US" sz="1600" dirty="0">
-                <a:latin typeface="+mj-lt"/>
-              </a:rPr>
-              <a:t>产品设计</a:t>
-            </a:r>
-            <a:endParaRPr lang="en-US" altLang="zh-CN" sz="1600" dirty="0">
-              <a:latin typeface="+mj-lt"/>
-            </a:endParaRPr>
-          </a:p>
-          <a:p>
-            <a:r>
-              <a:rPr lang="en-US" sz="1600" dirty="0" err="1">
-                <a:latin typeface="+mj-lt"/>
-                <a:ea typeface="Cambria Math" panose="02040503050406030204" pitchFamily="18" charset="0"/>
-              </a:rPr>
-              <a:t>智慧产品研发</a:t>
-            </a:r>
-            <a:endParaRPr lang="en-US" sz="1600" dirty="0">
-              <a:latin typeface="+mj-lt"/>
-              <a:ea typeface="Cambria Math" panose="02040503050406030204" pitchFamily="18" charset="0"/>
-            </a:endParaRPr>
-          </a:p>
-          <a:p>
-            <a:r>
-              <a:rPr lang="en-US" sz="1600" dirty="0">
-                <a:latin typeface="+mj-lt"/>
-                <a:ea typeface="Cambria Math" panose="02040503050406030204" pitchFamily="18" charset="0"/>
-              </a:rPr>
-              <a:t>Using Reinforcement Learning in AI for product design</a:t>
-            </a:r>
-          </a:p>
-        </p:txBody>
-      </p:sp>
-      <p:sp>
-        <p:nvSpPr>
-          <p:cNvPr id="10" name="Rectangle 9">
-            <a:extLst>
-              <a:ext uri="{FF2B5EF4-FFF2-40B4-BE49-F238E27FC236}">
-                <a16:creationId xmlns:a16="http://schemas.microsoft.com/office/drawing/2014/main" id="{1510A9D2-9B0F-CE65-A9E9-831F782E8464}"/>
-              </a:ext>
-            </a:extLst>
-          </p:cNvPr>
-          <p:cNvSpPr/>
-          <p:nvPr/>
-        </p:nvSpPr>
-        <p:spPr>
-          <a:xfrm>
-            <a:off x="635619" y="247842"/>
-            <a:ext cx="8601879" cy="523220"/>
-          </a:xfrm>
-          <a:prstGeom prst="rect">
-            <a:avLst/>
-          </a:prstGeom>
-        </p:spPr>
-        <p:txBody>
-          <a:bodyPr wrap="square">
-            <a:spAutoFit/>
-          </a:bodyPr>
-          <a:lstStyle/>
-          <a:p>
-            <a:r>
-              <a:rPr lang="en-US" altLang="zh-CN" sz="2800" dirty="0"/>
-              <a:t>Smart Manufacturing Use Cases/</a:t>
-            </a:r>
-            <a:r>
-              <a:rPr lang="zh-CN" altLang="en-US" sz="2800" dirty="0"/>
-              <a:t>智能制造应用</a:t>
-            </a:r>
-            <a:endParaRPr lang="en-US" sz="3600" dirty="0">
-              <a:latin typeface="+mn-lt"/>
-            </a:endParaRPr>
-          </a:p>
-        </p:txBody>
-      </p:sp>
+        </p:spPr>
+      </p:pic>
     </p:spTree>
     <p:extLst>
       <p:ext uri="{BB962C8B-B14F-4D97-AF65-F5344CB8AC3E}">
-        <p14:creationId xmlns:p14="http://schemas.microsoft.com/office/powerpoint/2010/main" val="3963527983"/>
+        <p14:creationId xmlns:p14="http://schemas.microsoft.com/office/powerpoint/2010/main" val="241036322"/>
       </p:ext>
     </p:extLst>
   </p:cSld>
@@ -5308,6 +5261,313 @@
       </p:sp>
       <p:sp>
         <p:nvSpPr>
+          <p:cNvPr id="6" name="Rectangle 5">
+            <a:extLst>
+              <a:ext uri="{FF2B5EF4-FFF2-40B4-BE49-F238E27FC236}">
+                <a16:creationId xmlns:a16="http://schemas.microsoft.com/office/drawing/2014/main" id="{13032951-E9CC-2D76-705B-8BDD5A5BDABB}"/>
+              </a:ext>
+            </a:extLst>
+          </p:cNvPr>
+          <p:cNvSpPr/>
+          <p:nvPr/>
+        </p:nvSpPr>
+        <p:spPr>
+          <a:xfrm>
+            <a:off x="530450" y="1180415"/>
+            <a:ext cx="3515646" cy="584775"/>
+          </a:xfrm>
+          <a:prstGeom prst="rect">
+            <a:avLst/>
+          </a:prstGeom>
+        </p:spPr>
+        <p:txBody>
+          <a:bodyPr wrap="square">
+            <a:spAutoFit/>
+          </a:bodyPr>
+          <a:lstStyle/>
+          <a:p>
+            <a:r>
+              <a:rPr lang="en-US" sz="1600" dirty="0">
+                <a:latin typeface="+mj-lt"/>
+              </a:rPr>
+              <a:t>Predictive Maintenance</a:t>
+            </a:r>
+          </a:p>
+          <a:p>
+            <a:r>
+              <a:rPr lang="en-US" sz="1600" dirty="0">
+                <a:latin typeface="+mj-lt"/>
+              </a:rPr>
+              <a:t>/</a:t>
+            </a:r>
+            <a:r>
+              <a:rPr lang="zh-CN" altLang="en-US" sz="1600" dirty="0">
+                <a:latin typeface="+mj-lt"/>
+              </a:rPr>
+              <a:t>预测性维护</a:t>
+            </a:r>
+            <a:r>
+              <a:rPr lang="en-US" altLang="zh-CN" sz="1600" dirty="0">
+                <a:latin typeface="+mj-lt"/>
+              </a:rPr>
+              <a:t> </a:t>
+            </a:r>
+            <a:r>
+              <a:rPr lang="en-US" sz="1600" dirty="0">
+                <a:latin typeface="+mj-lt"/>
+                <a:ea typeface="Cambria Math" panose="02040503050406030204" pitchFamily="18" charset="0"/>
+              </a:rPr>
+              <a:t>  </a:t>
+            </a:r>
+          </a:p>
+        </p:txBody>
+      </p:sp>
+      <p:sp>
+        <p:nvSpPr>
+          <p:cNvPr id="7" name="TextBox 6">
+            <a:extLst>
+              <a:ext uri="{FF2B5EF4-FFF2-40B4-BE49-F238E27FC236}">
+                <a16:creationId xmlns:a16="http://schemas.microsoft.com/office/drawing/2014/main" id="{F5F8CC04-E77A-23D4-92DE-910BAB013247}"/>
+              </a:ext>
+            </a:extLst>
+          </p:cNvPr>
+          <p:cNvSpPr txBox="1"/>
+          <p:nvPr/>
+        </p:nvSpPr>
+        <p:spPr>
+          <a:xfrm>
+            <a:off x="4230600" y="1042905"/>
+            <a:ext cx="4284844" cy="1815882"/>
+          </a:xfrm>
+          <a:prstGeom prst="rect">
+            <a:avLst/>
+          </a:prstGeom>
+          <a:noFill/>
+        </p:spPr>
+        <p:txBody>
+          <a:bodyPr wrap="square" rtlCol="0">
+            <a:spAutoFit/>
+          </a:bodyPr>
+          <a:lstStyle/>
+          <a:p>
+            <a:pPr algn="l"/>
+            <a:r>
+              <a:rPr lang="en-US" sz="1600" i="0" u="sng" dirty="0">
+                <a:solidFill>
+                  <a:srgbClr val="000000"/>
+                </a:solidFill>
+                <a:effectLst/>
+                <a:latin typeface="+mj-lt"/>
+              </a:rPr>
+              <a:t>Agile Production</a:t>
+            </a:r>
+            <a:r>
+              <a:rPr lang="en-US" sz="1600" u="sng" dirty="0">
+                <a:solidFill>
+                  <a:srgbClr val="000000"/>
+                </a:solidFill>
+                <a:latin typeface="+mj-lt"/>
+              </a:rPr>
+              <a:t>/</a:t>
+            </a:r>
+            <a:r>
+              <a:rPr lang="zh-CN" altLang="en-US" sz="1600" u="sng" dirty="0">
+                <a:latin typeface="+mj-lt"/>
+                <a:ea typeface="Cambria Math" panose="02040503050406030204" pitchFamily="18" charset="0"/>
+              </a:rPr>
+              <a:t>敏捷制造</a:t>
+            </a:r>
+            <a:endParaRPr lang="en-US" altLang="zh-CN" sz="1600" u="sng" dirty="0">
+              <a:latin typeface="+mj-lt"/>
+              <a:ea typeface="Cambria Math" panose="02040503050406030204" pitchFamily="18" charset="0"/>
+            </a:endParaRPr>
+          </a:p>
+          <a:p>
+            <a:pPr algn="l"/>
+            <a:r>
+              <a:rPr lang="en-US" sz="1600" i="0" dirty="0">
+                <a:solidFill>
+                  <a:srgbClr val="1B1A1A"/>
+                </a:solidFill>
+                <a:effectLst/>
+                <a:latin typeface="+mj-lt"/>
+              </a:rPr>
+              <a:t>Agile production refers to the ability of the manufacturing unit to dynamically change the product schedule and execution according to the demand within the shift/day of operations</a:t>
+            </a:r>
+            <a:r>
+              <a:rPr lang="zh-CN" altLang="en-US" sz="1600" i="0" dirty="0">
+                <a:solidFill>
+                  <a:srgbClr val="1B1A1A"/>
+                </a:solidFill>
+                <a:effectLst/>
+                <a:latin typeface="+mj-lt"/>
+                <a:ea typeface="Cambria Math" panose="02040503050406030204" pitchFamily="18" charset="0"/>
+              </a:rPr>
+              <a:t>根据产品</a:t>
+            </a:r>
+            <a:r>
+              <a:rPr lang="en-US" altLang="zh-CN" sz="1600" i="0" dirty="0">
+                <a:solidFill>
+                  <a:srgbClr val="1B1A1A"/>
+                </a:solidFill>
+                <a:effectLst/>
+                <a:latin typeface="+mj-lt"/>
+                <a:ea typeface="Cambria Math" panose="02040503050406030204" pitchFamily="18" charset="0"/>
+              </a:rPr>
+              <a:t>/</a:t>
+            </a:r>
+            <a:r>
+              <a:rPr lang="zh-CN" altLang="en-US" sz="1600" i="0" dirty="0">
+                <a:solidFill>
+                  <a:srgbClr val="1B1A1A"/>
+                </a:solidFill>
+                <a:effectLst/>
+                <a:latin typeface="+mj-lt"/>
+                <a:ea typeface="Cambria Math" panose="02040503050406030204" pitchFamily="18" charset="0"/>
+              </a:rPr>
+              <a:t>产量需求以及车间设备状况等等，动态调整生产计划</a:t>
+            </a:r>
+            <a:endParaRPr lang="en-US" sz="1600" dirty="0">
+              <a:latin typeface="+mj-lt"/>
+              <a:ea typeface="Cambria Math" panose="02040503050406030204" pitchFamily="18" charset="0"/>
+            </a:endParaRPr>
+          </a:p>
+        </p:txBody>
+      </p:sp>
+      <p:sp>
+        <p:nvSpPr>
+          <p:cNvPr id="8" name="TextBox 7">
+            <a:extLst>
+              <a:ext uri="{FF2B5EF4-FFF2-40B4-BE49-F238E27FC236}">
+                <a16:creationId xmlns:a16="http://schemas.microsoft.com/office/drawing/2014/main" id="{DD77D5C8-CD61-B29F-26C7-1B19EBAECFE0}"/>
+              </a:ext>
+            </a:extLst>
+          </p:cNvPr>
+          <p:cNvSpPr txBox="1"/>
+          <p:nvPr/>
+        </p:nvSpPr>
+        <p:spPr>
+          <a:xfrm>
+            <a:off x="530450" y="3429000"/>
+            <a:ext cx="3286277" cy="830997"/>
+          </a:xfrm>
+          <a:prstGeom prst="rect">
+            <a:avLst/>
+          </a:prstGeom>
+          <a:noFill/>
+        </p:spPr>
+        <p:txBody>
+          <a:bodyPr wrap="square" rtlCol="0">
+            <a:spAutoFit/>
+          </a:bodyPr>
+          <a:lstStyle/>
+          <a:p>
+            <a:r>
+              <a:rPr lang="en-US" sz="1600" dirty="0" err="1">
+                <a:latin typeface="+mj-lt"/>
+                <a:ea typeface="NSimSun" panose="02010609030101010101" pitchFamily="49" charset="-122"/>
+              </a:rPr>
+              <a:t>工艺参数的优化</a:t>
+            </a:r>
+            <a:endParaRPr lang="en-US" sz="1600" dirty="0">
+              <a:latin typeface="+mj-lt"/>
+              <a:ea typeface="NSimSun" panose="02010609030101010101" pitchFamily="49" charset="-122"/>
+            </a:endParaRPr>
+          </a:p>
+          <a:p>
+            <a:r>
+              <a:rPr lang="en-US" sz="1600" dirty="0">
+                <a:latin typeface="+mj-lt"/>
+                <a:ea typeface="Cambria Math" panose="02040503050406030204" pitchFamily="18" charset="0"/>
+              </a:rPr>
+              <a:t>Process </a:t>
+            </a:r>
+            <a:r>
+              <a:rPr lang="en-US" altLang="zh-CN" sz="1600" dirty="0">
+                <a:latin typeface="+mj-lt"/>
+                <a:ea typeface="Cambria Math" panose="02040503050406030204" pitchFamily="18" charset="0"/>
+              </a:rPr>
+              <a:t>p</a:t>
+            </a:r>
+            <a:r>
+              <a:rPr lang="en-US" sz="1600" dirty="0">
+                <a:latin typeface="+mj-lt"/>
+                <a:ea typeface="Cambria Math" panose="02040503050406030204" pitchFamily="18" charset="0"/>
+              </a:rPr>
+              <a:t>arameters optimization with AI</a:t>
+            </a:r>
+          </a:p>
+        </p:txBody>
+      </p:sp>
+      <p:sp>
+        <p:nvSpPr>
+          <p:cNvPr id="9" name="Rectangle 8">
+            <a:extLst>
+              <a:ext uri="{FF2B5EF4-FFF2-40B4-BE49-F238E27FC236}">
+                <a16:creationId xmlns:a16="http://schemas.microsoft.com/office/drawing/2014/main" id="{9BEF2C34-FEEF-D46E-737B-0001391E4098}"/>
+              </a:ext>
+            </a:extLst>
+          </p:cNvPr>
+          <p:cNvSpPr/>
+          <p:nvPr/>
+        </p:nvSpPr>
+        <p:spPr>
+          <a:xfrm>
+            <a:off x="4309132" y="3305890"/>
+            <a:ext cx="4304418" cy="1077218"/>
+          </a:xfrm>
+          <a:prstGeom prst="rect">
+            <a:avLst/>
+          </a:prstGeom>
+        </p:spPr>
+        <p:txBody>
+          <a:bodyPr wrap="square">
+            <a:spAutoFit/>
+          </a:bodyPr>
+          <a:lstStyle/>
+          <a:p>
+            <a:r>
+              <a:rPr lang="en-US" sz="1600" dirty="0">
+                <a:latin typeface="+mj-lt"/>
+              </a:rPr>
+              <a:t>Product Design/</a:t>
+            </a:r>
+            <a:r>
+              <a:rPr lang="zh-CN" altLang="en-US" sz="1600" dirty="0">
+                <a:latin typeface="+mj-lt"/>
+              </a:rPr>
+              <a:t>产品设计</a:t>
+            </a:r>
+            <a:endParaRPr lang="en-US" altLang="zh-CN" sz="1600" dirty="0">
+              <a:latin typeface="+mj-lt"/>
+            </a:endParaRPr>
+          </a:p>
+          <a:p>
+            <a:r>
+              <a:rPr lang="en-US" sz="1600" dirty="0" err="1">
+                <a:latin typeface="+mj-lt"/>
+                <a:ea typeface="Cambria Math" panose="02040503050406030204" pitchFamily="18" charset="0"/>
+              </a:rPr>
+              <a:t>智慧产品研发</a:t>
+            </a:r>
+            <a:endParaRPr lang="en-US" sz="1600" dirty="0">
+              <a:latin typeface="+mj-lt"/>
+              <a:ea typeface="Cambria Math" panose="02040503050406030204" pitchFamily="18" charset="0"/>
+            </a:endParaRPr>
+          </a:p>
+          <a:p>
+            <a:r>
+              <a:rPr lang="en-US" sz="1600" dirty="0">
+                <a:latin typeface="+mj-lt"/>
+                <a:ea typeface="Cambria Math" panose="02040503050406030204" pitchFamily="18" charset="0"/>
+              </a:rPr>
+              <a:t>Using Reinforcement Learning in AI for product design</a:t>
+            </a:r>
+          </a:p>
+        </p:txBody>
+      </p:sp>
+      <p:sp>
+        <p:nvSpPr>
           <p:cNvPr id="10" name="Rectangle 9">
             <a:extLst>
               <a:ext uri="{FF2B5EF4-FFF2-40B4-BE49-F238E27FC236}">
@@ -5335,15 +5595,11 @@
           <a:p>
             <a:r>
               <a:rPr lang="en-US" altLang="zh-CN" sz="2800" dirty="0"/>
-              <a:t>Anaconda Setup / </a:t>
+              <a:t>Smart Manufacturing Use Cases/</a:t>
             </a:r>
             <a:r>
               <a:rPr lang="zh-CN" altLang="en-US" sz="2800" dirty="0"/>
-              <a:t>安装</a:t>
-            </a:r>
-            <a:r>
-              <a:rPr lang="en-US" altLang="zh-CN" sz="2800" dirty="0"/>
-              <a:t>Anaconda</a:t>
+              <a:t>智能制造应用</a:t>
             </a:r>
             <a:endParaRPr lang="en-US" sz="3600" dirty="0">
               <a:latin typeface="+mn-lt"/>
@@ -5351,69 +5607,10 @@
           </a:p>
         </p:txBody>
       </p:sp>
-      <p:sp>
-        <p:nvSpPr>
-          <p:cNvPr id="4" name="TextBox 3">
-            <a:extLst>
-              <a:ext uri="{FF2B5EF4-FFF2-40B4-BE49-F238E27FC236}">
-                <a16:creationId xmlns:a16="http://schemas.microsoft.com/office/drawing/2014/main" id="{AED6C618-5BCE-43C9-39DD-348D333DB976}"/>
-              </a:ext>
-            </a:extLst>
-          </p:cNvPr>
-          <p:cNvSpPr txBox="1"/>
-          <p:nvPr/>
-        </p:nvSpPr>
-        <p:spPr>
-          <a:xfrm>
-            <a:off x="2263698" y="2593325"/>
-            <a:ext cx="4616604" cy="1631216"/>
-          </a:xfrm>
-          <a:prstGeom prst="rect">
-            <a:avLst/>
-          </a:prstGeom>
-          <a:noFill/>
-        </p:spPr>
-        <p:txBody>
-          <a:bodyPr wrap="square">
-            <a:spAutoFit/>
-          </a:bodyPr>
-          <a:lstStyle/>
-          <a:p>
-            <a:r>
-              <a:rPr lang="en-US" altLang="zh-CN" sz="2000" dirty="0"/>
-              <a:t>Any questions?</a:t>
-            </a:r>
-          </a:p>
-          <a:p>
-            <a:endParaRPr lang="en-US" dirty="0"/>
-          </a:p>
-          <a:p>
-            <a:r>
-              <a:rPr lang="en-US" dirty="0"/>
-              <a:t>Virtual Env </a:t>
-            </a:r>
-            <a:r>
-              <a:rPr lang="zh-CN" altLang="en-US" dirty="0"/>
-              <a:t>（虚拟环境）</a:t>
-            </a:r>
-            <a:endParaRPr lang="en-US" altLang="zh-CN" dirty="0"/>
-          </a:p>
-          <a:p>
-            <a:endParaRPr lang="en-US" dirty="0"/>
-          </a:p>
-          <a:p>
-            <a:r>
-              <a:rPr lang="en-US" altLang="zh-CN" dirty="0"/>
-              <a:t>pip check</a:t>
-            </a:r>
-            <a:endParaRPr lang="en-US" dirty="0"/>
-          </a:p>
-        </p:txBody>
-      </p:sp>
     </p:spTree>
     <p:extLst>
       <p:ext uri="{BB962C8B-B14F-4D97-AF65-F5344CB8AC3E}">
-        <p14:creationId xmlns:p14="http://schemas.microsoft.com/office/powerpoint/2010/main" val="538291864"/>
+        <p14:creationId xmlns:p14="http://schemas.microsoft.com/office/powerpoint/2010/main" val="3963527983"/>
       </p:ext>
     </p:extLst>
   </p:cSld>
@@ -5518,7 +5715,15 @@
           <a:p>
             <a:r>
               <a:rPr lang="en-US" altLang="zh-CN" sz="2800" dirty="0"/>
-              <a:t>GitHub </a:t>
+              <a:t>Anaconda Setup / </a:t>
+            </a:r>
+            <a:r>
+              <a:rPr lang="zh-CN" altLang="en-US" sz="2800" dirty="0"/>
+              <a:t>安装</a:t>
+            </a:r>
+            <a:r>
+              <a:rPr lang="en-US" altLang="zh-CN" sz="2800" dirty="0"/>
+              <a:t>Anaconda</a:t>
             </a:r>
             <a:endParaRPr lang="en-US" sz="3600" dirty="0">
               <a:latin typeface="+mn-lt"/>
@@ -5531,7 +5736,7 @@
           <p:cNvPr id="4" name="TextBox 3">
             <a:extLst>
               <a:ext uri="{FF2B5EF4-FFF2-40B4-BE49-F238E27FC236}">
-                <a16:creationId xmlns:a16="http://schemas.microsoft.com/office/drawing/2014/main" id="{95226943-26A6-F549-A7B7-2F6415B90469}"/>
+                <a16:creationId xmlns:a16="http://schemas.microsoft.com/office/drawing/2014/main" id="{AED6C618-5BCE-43C9-39DD-348D333DB976}"/>
               </a:ext>
             </a:extLst>
           </p:cNvPr>
@@ -5540,8 +5745,8 @@
         </p:nvSpPr>
         <p:spPr>
           <a:xfrm>
-            <a:off x="2263698" y="1545111"/>
-            <a:ext cx="4616604" cy="400110"/>
+            <a:off x="2263698" y="2593325"/>
+            <a:ext cx="4616604" cy="1631216"/>
           </a:xfrm>
           <a:prstGeom prst="rect">
             <a:avLst/>
@@ -5555,16 +5760,40 @@
           <a:lstStyle/>
           <a:p>
             <a:r>
+              <a:rPr lang="en-US" altLang="zh-CN" sz="2000" dirty="0"/>
+              <a:t>Any questions?</a:t>
+            </a:r>
+          </a:p>
+          <a:p>
+            <a:endParaRPr lang="en-US" dirty="0"/>
+          </a:p>
+          <a:p>
+            <a:r>
               <a:rPr lang="en-US" dirty="0"/>
-              <a:t>github_steps.pptx</a:t>
-            </a:r>
+              <a:t>Virtual Env </a:t>
+            </a:r>
+            <a:r>
+              <a:rPr lang="zh-CN" altLang="en-US" dirty="0"/>
+              <a:t>（虚拟环境）</a:t>
+            </a:r>
+            <a:endParaRPr lang="en-US" altLang="zh-CN" dirty="0"/>
+          </a:p>
+          <a:p>
+            <a:endParaRPr lang="en-US" dirty="0"/>
+          </a:p>
+          <a:p>
+            <a:r>
+              <a:rPr lang="en-US" altLang="zh-CN" dirty="0"/>
+              <a:t>pip check</a:t>
+            </a:r>
+            <a:endParaRPr lang="en-US" dirty="0"/>
           </a:p>
         </p:txBody>
       </p:sp>
     </p:spTree>
     <p:extLst>
       <p:ext uri="{BB962C8B-B14F-4D97-AF65-F5344CB8AC3E}">
-        <p14:creationId xmlns:p14="http://schemas.microsoft.com/office/powerpoint/2010/main" val="4037810423"/>
+        <p14:creationId xmlns:p14="http://schemas.microsoft.com/office/powerpoint/2010/main" val="538291864"/>
       </p:ext>
     </p:extLst>
   </p:cSld>
@@ -5669,7 +5898,7 @@
           <a:p>
             <a:r>
               <a:rPr lang="en-US" altLang="zh-CN" sz="2800" dirty="0"/>
-              <a:t>Git  </a:t>
+              <a:t>GitHub </a:t>
             </a:r>
             <a:endParaRPr lang="en-US" sz="3600" dirty="0">
               <a:latin typeface="+mn-lt"/>
@@ -5682,7 +5911,7 @@
           <p:cNvPr id="4" name="TextBox 3">
             <a:extLst>
               <a:ext uri="{FF2B5EF4-FFF2-40B4-BE49-F238E27FC236}">
-                <a16:creationId xmlns:a16="http://schemas.microsoft.com/office/drawing/2014/main" id="{053FF2DA-8D79-F2CA-CCFC-18E94A658A7C}"/>
+                <a16:creationId xmlns:a16="http://schemas.microsoft.com/office/drawing/2014/main" id="{95226943-26A6-F549-A7B7-2F6415B90469}"/>
               </a:ext>
             </a:extLst>
           </p:cNvPr>
@@ -5691,7 +5920,7 @@
         </p:nvSpPr>
         <p:spPr>
           <a:xfrm>
-            <a:off x="1996069" y="2269940"/>
+            <a:off x="2263698" y="1545111"/>
             <a:ext cx="4616604" cy="400110"/>
           </a:xfrm>
           <a:prstGeom prst="rect">
@@ -5707,7 +5936,7 @@
           <a:p>
             <a:r>
               <a:rPr lang="en-US" dirty="0"/>
-              <a:t>git_setup.pptx</a:t>
+              <a:t>github_steps.pptx</a:t>
             </a:r>
           </a:p>
         </p:txBody>
@@ -5715,7 +5944,7 @@
     </p:spTree>
     <p:extLst>
       <p:ext uri="{BB962C8B-B14F-4D97-AF65-F5344CB8AC3E}">
-        <p14:creationId xmlns:p14="http://schemas.microsoft.com/office/powerpoint/2010/main" val="3062296624"/>
+        <p14:creationId xmlns:p14="http://schemas.microsoft.com/office/powerpoint/2010/main" val="4037810423"/>
       </p:ext>
     </p:extLst>
   </p:cSld>
@@ -5820,7 +6049,7 @@
           <a:p>
             <a:r>
               <a:rPr lang="en-US" altLang="zh-CN" sz="2800" dirty="0"/>
-              <a:t>Git branches </a:t>
+              <a:t>Git  </a:t>
             </a:r>
             <a:endParaRPr lang="en-US" sz="3600" dirty="0">
               <a:latin typeface="+mn-lt"/>
@@ -5830,10 +6059,10 @@
       </p:sp>
       <p:sp>
         <p:nvSpPr>
-          <p:cNvPr id="2" name="TextBox 1">
+          <p:cNvPr id="4" name="TextBox 3">
             <a:extLst>
               <a:ext uri="{FF2B5EF4-FFF2-40B4-BE49-F238E27FC236}">
-                <a16:creationId xmlns:a16="http://schemas.microsoft.com/office/drawing/2014/main" id="{BA6248BB-50EE-FEA4-8967-033AD60CBCE3}"/>
+                <a16:creationId xmlns:a16="http://schemas.microsoft.com/office/drawing/2014/main" id="{053FF2DA-8D79-F2CA-CCFC-18E94A658A7C}"/>
               </a:ext>
             </a:extLst>
           </p:cNvPr>
@@ -5842,8 +6071,8 @@
         </p:nvSpPr>
         <p:spPr>
           <a:xfrm>
-            <a:off x="814038" y="1180415"/>
-            <a:ext cx="7961971" cy="1631216"/>
+            <a:off x="1996069" y="2269940"/>
+            <a:ext cx="4616604" cy="400110"/>
           </a:xfrm>
           <a:prstGeom prst="rect">
             <a:avLst/>
@@ -5858,61 +6087,15 @@
           <a:p>
             <a:r>
               <a:rPr lang="en-US" dirty="0"/>
-              <a:t>Let’s follow these conven</a:t>
-            </a:r>
-            <a:r>
-              <a:rPr lang="en-US" altLang="zh-CN" dirty="0"/>
-              <a:t>tions / </a:t>
-            </a:r>
-            <a:r>
-              <a:rPr lang="zh-CN" altLang="en-US" dirty="0"/>
-              <a:t>约定俗成</a:t>
-            </a:r>
-            <a:r>
-              <a:rPr lang="en-US" altLang="zh-CN" dirty="0"/>
-              <a:t>:</a:t>
-            </a:r>
-          </a:p>
-          <a:p>
-            <a:endParaRPr lang="en-US" dirty="0"/>
-          </a:p>
-          <a:p>
-            <a:pPr marL="457200" indent="-457200">
-              <a:buAutoNum type="arabicPeriod"/>
-            </a:pPr>
-            <a:r>
-              <a:rPr lang="en-US" dirty="0"/>
-              <a:t>Every team has its own branch. </a:t>
-            </a:r>
-            <a:r>
-              <a:rPr lang="zh-CN" altLang="en-US" dirty="0"/>
-              <a:t>每个组用自己的分支</a:t>
-            </a:r>
-            <a:endParaRPr lang="en-US" altLang="zh-CN" dirty="0"/>
-          </a:p>
-          <a:p>
-            <a:r>
-              <a:rPr lang="en-US" dirty="0"/>
-              <a:t>2.   All teams use the same class branch. </a:t>
-            </a:r>
-            <a:r>
-              <a:rPr lang="zh-CN" altLang="en-US" dirty="0"/>
-              <a:t>上课内容用同一个分支</a:t>
-            </a:r>
-            <a:endParaRPr lang="en-US" dirty="0"/>
-          </a:p>
-          <a:p>
-            <a:pPr marL="457200" indent="-457200">
-              <a:buAutoNum type="arabicPeriod"/>
-            </a:pPr>
-            <a:endParaRPr lang="en-US" dirty="0"/>
+              <a:t>git_setup.pptx</a:t>
+            </a:r>
           </a:p>
         </p:txBody>
       </p:sp>
     </p:spTree>
     <p:extLst>
       <p:ext uri="{BB962C8B-B14F-4D97-AF65-F5344CB8AC3E}">
-        <p14:creationId xmlns:p14="http://schemas.microsoft.com/office/powerpoint/2010/main" val="396874116"/>
+        <p14:creationId xmlns:p14="http://schemas.microsoft.com/office/powerpoint/2010/main" val="3062296624"/>
       </p:ext>
     </p:extLst>
   </p:cSld>
@@ -6040,7 +6223,7 @@
         <p:spPr>
           <a:xfrm>
             <a:off x="814038" y="1180415"/>
-            <a:ext cx="7961971" cy="3785652"/>
+            <a:ext cx="7961971" cy="1631216"/>
           </a:xfrm>
           <a:prstGeom prst="rect">
             <a:avLst/>
@@ -6055,11 +6238,15 @@
           <a:p>
             <a:r>
               <a:rPr lang="en-US" dirty="0"/>
-              <a:t>Three Key Commands / </a:t>
+              <a:t>Let’s follow these conven</a:t>
+            </a:r>
+            <a:r>
+              <a:rPr lang="en-US" altLang="zh-CN" dirty="0"/>
+              <a:t>tions / </a:t>
             </a:r>
             <a:r>
               <a:rPr lang="zh-CN" altLang="en-US" dirty="0"/>
-              <a:t>三个重要指令行</a:t>
+              <a:t>约定俗成</a:t>
             </a:r>
             <a:r>
               <a:rPr lang="en-US" altLang="zh-CN" dirty="0"/>
@@ -6067,129 +6254,31 @@
             </a:r>
           </a:p>
           <a:p>
-            <a:endParaRPr lang="en-US" altLang="zh-CN" dirty="0"/>
-          </a:p>
-          <a:p>
-            <a:r>
-              <a:rPr lang="en-US" altLang="zh-CN" dirty="0"/>
-              <a:t># fetch class content. </a:t>
-            </a:r>
-            <a:r>
-              <a:rPr lang="zh-CN" altLang="en-US" dirty="0"/>
-              <a:t>课堂内容：</a:t>
-            </a:r>
-            <a:endParaRPr lang="en-US" altLang="zh-CN" dirty="0"/>
+            <a:endParaRPr lang="en-US" dirty="0"/>
           </a:p>
           <a:p>
             <a:pPr marL="457200" indent="-457200">
               <a:buAutoNum type="arabicPeriod"/>
             </a:pPr>
             <a:r>
-              <a:rPr lang="en-US" altLang="zh-CN" dirty="0"/>
-              <a:t>git checkout –b classes origin/classes  </a:t>
-            </a:r>
-          </a:p>
-          <a:p>
-            <a:pPr marL="457200" indent="-457200">
-              <a:buAutoNum type="arabicPeriod"/>
-            </a:pPr>
+              <a:rPr lang="en-US" dirty="0"/>
+              <a:t>Every team has its own branch. </a:t>
+            </a:r>
+            <a:r>
+              <a:rPr lang="zh-CN" altLang="en-US" dirty="0"/>
+              <a:t>每个组用自己的分支</a:t>
+            </a:r>
             <a:endParaRPr lang="en-US" altLang="zh-CN" dirty="0"/>
           </a:p>
           <a:p>
             <a:r>
-              <a:rPr lang="en-US" altLang="zh-CN" dirty="0"/>
-              <a:t># fetch your own team’s branch.</a:t>
+              <a:rPr lang="en-US" dirty="0"/>
+              <a:t>2.   All teams use the same class branch. </a:t>
             </a:r>
             <a:r>
               <a:rPr lang="zh-CN" altLang="en-US" dirty="0"/>
-              <a:t> 项目内容</a:t>
-            </a:r>
-            <a:endParaRPr lang="en-US" altLang="zh-CN" dirty="0"/>
-          </a:p>
-          <a:p>
-            <a:r>
-              <a:rPr lang="en-US" altLang="zh-CN" dirty="0"/>
-              <a:t>2. git checkout –b</a:t>
-            </a:r>
-            <a:r>
-              <a:rPr lang="zh-CN" altLang="en-US" dirty="0"/>
-              <a:t> </a:t>
-            </a:r>
-            <a:r>
-              <a:rPr lang="en-US" altLang="zh-CN" dirty="0" err="1"/>
-              <a:t>team_z</a:t>
-            </a:r>
-            <a:r>
-              <a:rPr lang="zh-CN" altLang="en-US" dirty="0"/>
-              <a:t> </a:t>
-            </a:r>
-            <a:r>
-              <a:rPr lang="en-US" altLang="zh-CN" dirty="0"/>
-              <a:t>origin/</a:t>
-            </a:r>
-            <a:r>
-              <a:rPr lang="en-US" altLang="zh-CN" dirty="0" err="1"/>
-              <a:t>team_z</a:t>
-            </a:r>
-            <a:r>
-              <a:rPr lang="en-US" altLang="zh-CN" dirty="0"/>
-              <a:t>  #</a:t>
-            </a:r>
-            <a:r>
-              <a:rPr lang="zh-CN" altLang="en-US" dirty="0"/>
-              <a:t>例子</a:t>
-            </a:r>
-            <a:endParaRPr lang="en-US" altLang="zh-CN" dirty="0"/>
-          </a:p>
-          <a:p>
-            <a:endParaRPr lang="en-US" altLang="zh-CN" dirty="0"/>
-          </a:p>
-          <a:p>
-            <a:r>
-              <a:rPr lang="en-US" altLang="zh-CN" dirty="0"/>
-              <a:t>#</a:t>
-            </a:r>
-            <a:r>
-              <a:rPr lang="zh-CN" altLang="en-US" dirty="0"/>
-              <a:t> </a:t>
-            </a:r>
-            <a:r>
-              <a:rPr lang="en-US" altLang="zh-CN" dirty="0"/>
-              <a:t>for</a:t>
-            </a:r>
-            <a:r>
-              <a:rPr lang="zh-CN" altLang="en-US" dirty="0"/>
-              <a:t> </a:t>
-            </a:r>
-            <a:r>
-              <a:rPr lang="en-US" altLang="zh-CN" dirty="0"/>
-              <a:t>class</a:t>
-            </a:r>
-            <a:r>
-              <a:rPr lang="zh-CN" altLang="en-US" dirty="0"/>
-              <a:t> </a:t>
-            </a:r>
-            <a:r>
-              <a:rPr lang="en-US" altLang="zh-CN" dirty="0"/>
-              <a:t>content, if you made changes, </a:t>
-            </a:r>
-          </a:p>
-          <a:p>
-            <a:r>
-              <a:rPr lang="en-US" altLang="zh-CN" dirty="0"/>
-              <a:t>3. git stash #</a:t>
-            </a:r>
-            <a:r>
-              <a:rPr lang="zh-CN" altLang="en-US" dirty="0"/>
-              <a:t>保存临时备份</a:t>
-            </a:r>
-            <a:r>
-              <a:rPr lang="en-US" altLang="zh-CN" dirty="0"/>
-              <a:t> </a:t>
-            </a:r>
-            <a:endParaRPr lang="en-US" dirty="0"/>
-          </a:p>
-          <a:p>
+              <a:t>上课内容用同一个分支</a:t>
+            </a:r>
             <a:endParaRPr lang="en-US" dirty="0"/>
           </a:p>
           <a:p>
@@ -6203,7 +6292,7 @@
     </p:spTree>
     <p:extLst>
       <p:ext uri="{BB962C8B-B14F-4D97-AF65-F5344CB8AC3E}">
-        <p14:creationId xmlns:p14="http://schemas.microsoft.com/office/powerpoint/2010/main" val="2082370270"/>
+        <p14:creationId xmlns:p14="http://schemas.microsoft.com/office/powerpoint/2010/main" val="396874116"/>
       </p:ext>
     </p:extLst>
   </p:cSld>
@@ -6331,7 +6420,7 @@
         <p:spPr>
           <a:xfrm>
             <a:off x="814038" y="1180415"/>
-            <a:ext cx="7961971" cy="4708981"/>
+            <a:ext cx="7961971" cy="3785652"/>
           </a:xfrm>
           <a:prstGeom prst="rect">
             <a:avLst/>
@@ -6346,92 +6435,137 @@
           <a:p>
             <a:r>
               <a:rPr lang="en-US" dirty="0"/>
-              <a:t>For team branch, use the following  commands to push changes</a:t>
+              <a:t>Three Key Commands / </a:t>
+            </a:r>
+            <a:r>
+              <a:rPr lang="zh-CN" altLang="en-US" dirty="0"/>
+              <a:t>三个重要指令行</a:t>
             </a:r>
             <a:r>
               <a:rPr lang="en-US" altLang="zh-CN" dirty="0"/>
-              <a:t>: </a:t>
+              <a:t>:</a:t>
+            </a:r>
+          </a:p>
+          <a:p>
+            <a:endParaRPr lang="en-US" altLang="zh-CN" dirty="0"/>
+          </a:p>
+          <a:p>
+            <a:r>
+              <a:rPr lang="en-US" altLang="zh-CN" dirty="0"/>
+              <a:t># fetch class content. </a:t>
             </a:r>
             <a:r>
               <a:rPr lang="zh-CN" altLang="en-US" dirty="0"/>
-              <a:t>用以下主要指令和远程库保持沟通：</a:t>
+              <a:t>课堂内容：</a:t>
             </a:r>
             <a:endParaRPr lang="en-US" altLang="zh-CN" dirty="0"/>
           </a:p>
           <a:p>
+            <a:pPr marL="457200" indent="-457200">
+              <a:buAutoNum type="arabicPeriod"/>
+            </a:pPr>
+            <a:r>
+              <a:rPr lang="en-US" altLang="zh-CN" dirty="0"/>
+              <a:t>git checkout –b classes origin/classes  </a:t>
+            </a:r>
+          </a:p>
+          <a:p>
+            <a:pPr marL="457200" indent="-457200">
+              <a:buAutoNum type="arabicPeriod"/>
+            </a:pPr>
             <a:endParaRPr lang="en-US" altLang="zh-CN" dirty="0"/>
           </a:p>
           <a:p>
             <a:r>
               <a:rPr lang="en-US" altLang="zh-CN" dirty="0"/>
-              <a:t># </a:t>
+              <a:t># fetch your own team’s branch.</a:t>
             </a:r>
             <a:r>
               <a:rPr lang="zh-CN" altLang="en-US" dirty="0"/>
-              <a:t>获取源库跟新</a:t>
+              <a:t> 项目内容</a:t>
             </a:r>
             <a:endParaRPr lang="en-US" altLang="zh-CN" dirty="0"/>
           </a:p>
           <a:p>
             <a:r>
               <a:rPr lang="en-US" altLang="zh-CN" dirty="0"/>
-              <a:t>1.  git pull origin </a:t>
+              <a:t>2. git checkout –b</a:t>
+            </a:r>
+            <a:r>
+              <a:rPr lang="zh-CN" altLang="en-US" dirty="0"/>
+              <a:t> </a:t>
             </a:r>
             <a:r>
               <a:rPr lang="en-US" altLang="zh-CN" dirty="0" err="1"/>
               <a:t>team_z</a:t>
             </a:r>
             <a:r>
+              <a:rPr lang="zh-CN" altLang="en-US" dirty="0"/>
+              <a:t> </a:t>
+            </a:r>
+            <a:r>
+              <a:rPr lang="en-US" altLang="zh-CN" dirty="0"/>
+              <a:t>origin/</a:t>
+            </a:r>
+            <a:r>
+              <a:rPr lang="en-US" altLang="zh-CN" dirty="0" err="1"/>
+              <a:t>team_z</a:t>
+            </a:r>
+            <a:r>
+              <a:rPr lang="en-US" altLang="zh-CN" dirty="0"/>
+              <a:t>  #</a:t>
+            </a:r>
+            <a:r>
+              <a:rPr lang="zh-CN" altLang="en-US" dirty="0"/>
+              <a:t>例子</a:t>
+            </a:r>
+            <a:endParaRPr lang="en-US" altLang="zh-CN" dirty="0"/>
+          </a:p>
+          <a:p>
+            <a:endParaRPr lang="en-US" altLang="zh-CN" dirty="0"/>
+          </a:p>
+          <a:p>
+            <a:r>
+              <a:rPr lang="en-US" altLang="zh-CN" dirty="0"/>
+              <a:t>#</a:t>
+            </a:r>
+            <a:r>
+              <a:rPr lang="zh-CN" altLang="en-US" dirty="0"/>
+              <a:t> </a:t>
+            </a:r>
+            <a:r>
+              <a:rPr lang="en-US" altLang="zh-CN" dirty="0"/>
+              <a:t>for</a:t>
+            </a:r>
+            <a:r>
+              <a:rPr lang="zh-CN" altLang="en-US" dirty="0"/>
+              <a:t> </a:t>
+            </a:r>
+            <a:r>
+              <a:rPr lang="en-US" altLang="zh-CN" dirty="0"/>
+              <a:t>class</a:t>
+            </a:r>
+            <a:r>
+              <a:rPr lang="zh-CN" altLang="en-US" dirty="0"/>
+              <a:t> </a:t>
+            </a:r>
+            <a:r>
+              <a:rPr lang="en-US" altLang="zh-CN" dirty="0"/>
+              <a:t>content, if you made changes, </a:t>
+            </a:r>
+          </a:p>
+          <a:p>
+            <a:r>
+              <a:rPr lang="en-US" altLang="zh-CN" dirty="0"/>
+              <a:t>3. git stash #</a:t>
+            </a:r>
+            <a:r>
+              <a:rPr lang="zh-CN" altLang="en-US" dirty="0"/>
+              <a:t>保存临时备份</a:t>
+            </a:r>
+            <a:r>
               <a:rPr lang="en-US" altLang="zh-CN" dirty="0"/>
               <a:t> </a:t>
-            </a:r>
-          </a:p>
-          <a:p>
-            <a:endParaRPr lang="en-US" altLang="zh-CN" dirty="0"/>
-          </a:p>
-          <a:p>
-            <a:r>
-              <a:rPr lang="en-US" altLang="zh-CN" dirty="0"/>
-              <a:t>2. git status </a:t>
-            </a:r>
-          </a:p>
-          <a:p>
-            <a:endParaRPr lang="en-US" altLang="zh-CN" dirty="0"/>
-          </a:p>
-          <a:p>
-            <a:r>
-              <a:rPr lang="en-US" altLang="zh-CN" dirty="0"/>
-              <a:t>3. git add . </a:t>
-            </a:r>
-          </a:p>
-          <a:p>
-            <a:endParaRPr lang="en-US" altLang="zh-CN" dirty="0"/>
-          </a:p>
-          <a:p>
-            <a:r>
-              <a:rPr lang="en-US" altLang="zh-CN" dirty="0"/>
-              <a:t>4. git commit –m </a:t>
-            </a:r>
-            <a:r>
-              <a:rPr lang="zh-CN" altLang="en-US" dirty="0"/>
-              <a:t>“</a:t>
-            </a:r>
-            <a:r>
-              <a:rPr lang="en-US" altLang="zh-CN" dirty="0"/>
-              <a:t>describe changes” </a:t>
-            </a:r>
-          </a:p>
-          <a:p>
-            <a:endParaRPr lang="en-US" altLang="zh-CN" dirty="0"/>
-          </a:p>
-          <a:p>
-            <a:r>
-              <a:rPr lang="en-US" dirty="0"/>
-              <a:t>5. git pull origin </a:t>
-            </a:r>
-            <a:r>
-              <a:rPr lang="en-US" dirty="0" err="1"/>
-              <a:t>team_z</a:t>
             </a:r>
             <a:endParaRPr lang="en-US" dirty="0"/>
           </a:p>
@@ -6449,7 +6583,7 @@
     </p:spTree>
     <p:extLst>
       <p:ext uri="{BB962C8B-B14F-4D97-AF65-F5344CB8AC3E}">
-        <p14:creationId xmlns:p14="http://schemas.microsoft.com/office/powerpoint/2010/main" val="1874133034"/>
+        <p14:creationId xmlns:p14="http://schemas.microsoft.com/office/powerpoint/2010/main" val="2082370270"/>
       </p:ext>
     </p:extLst>
   </p:cSld>
@@ -6554,11 +6688,7 @@
           <a:p>
             <a:r>
               <a:rPr lang="en-US" altLang="zh-CN" sz="2800" dirty="0"/>
-              <a:t>Predictive Maintenance </a:t>
-            </a:r>
-            <a:r>
-              <a:rPr lang="zh-CN" altLang="en-US" sz="2800" dirty="0"/>
-              <a:t>预测性维护</a:t>
+              <a:t>Git branches </a:t>
             </a:r>
             <a:endParaRPr lang="en-US" sz="3600" dirty="0">
               <a:latin typeface="+mn-lt"/>
@@ -6568,10 +6698,10 @@
       </p:sp>
       <p:sp>
         <p:nvSpPr>
-          <p:cNvPr id="4" name="TextBox 3">
+          <p:cNvPr id="2" name="TextBox 1">
             <a:extLst>
               <a:ext uri="{FF2B5EF4-FFF2-40B4-BE49-F238E27FC236}">
-                <a16:creationId xmlns:a16="http://schemas.microsoft.com/office/drawing/2014/main" id="{D079E7B7-7CF5-1023-BAC4-4695F462AB41}"/>
+                <a16:creationId xmlns:a16="http://schemas.microsoft.com/office/drawing/2014/main" id="{BA6248BB-50EE-FEA4-8967-033AD60CBCE3}"/>
               </a:ext>
             </a:extLst>
           </p:cNvPr>
@@ -6580,8 +6710,8 @@
         </p:nvSpPr>
         <p:spPr>
           <a:xfrm>
-            <a:off x="234176" y="980360"/>
-            <a:ext cx="9132848" cy="400110"/>
+            <a:off x="814038" y="1180415"/>
+            <a:ext cx="7961971" cy="4708981"/>
           </a:xfrm>
           <a:prstGeom prst="rect">
             <a:avLst/>
@@ -6596,202 +6726,110 @@
           <a:p>
             <a:r>
               <a:rPr lang="en-US" dirty="0"/>
-              <a:t>Crucial Benefits of </a:t>
+              <a:t>For team branch, use the following  commands to push changes</a:t>
+            </a:r>
+            <a:r>
+              <a:rPr lang="en-US" altLang="zh-CN" dirty="0"/>
+              <a:t>: </a:t>
+            </a:r>
+            <a:r>
+              <a:rPr lang="zh-CN" altLang="en-US" dirty="0"/>
+              <a:t>用以下主要指令和远程库保持沟通：</a:t>
+            </a:r>
+            <a:endParaRPr lang="en-US" altLang="zh-CN" dirty="0"/>
+          </a:p>
+          <a:p>
+            <a:endParaRPr lang="en-US" altLang="zh-CN" dirty="0"/>
+          </a:p>
+          <a:p>
+            <a:r>
+              <a:rPr lang="en-US" altLang="zh-CN" dirty="0"/>
+              <a:t># </a:t>
+            </a:r>
+            <a:r>
+              <a:rPr lang="zh-CN" altLang="en-US" dirty="0"/>
+              <a:t>获取源库跟新</a:t>
+            </a:r>
+            <a:endParaRPr lang="en-US" altLang="zh-CN" dirty="0"/>
+          </a:p>
+          <a:p>
+            <a:r>
+              <a:rPr lang="en-US" altLang="zh-CN" dirty="0"/>
+              <a:t>1.  git pull origin </a:t>
+            </a:r>
+            <a:r>
+              <a:rPr lang="en-US" altLang="zh-CN" dirty="0" err="1"/>
+              <a:t>team_z</a:t>
+            </a:r>
+            <a:r>
+              <a:rPr lang="en-US" altLang="zh-CN" dirty="0"/>
+              <a:t> </a:t>
+            </a:r>
+          </a:p>
+          <a:p>
+            <a:endParaRPr lang="en-US" altLang="zh-CN" dirty="0"/>
+          </a:p>
+          <a:p>
+            <a:r>
+              <a:rPr lang="en-US" altLang="zh-CN" dirty="0"/>
+              <a:t>2. git status </a:t>
+            </a:r>
+          </a:p>
+          <a:p>
+            <a:endParaRPr lang="en-US" altLang="zh-CN" dirty="0"/>
+          </a:p>
+          <a:p>
+            <a:r>
+              <a:rPr lang="en-US" altLang="zh-CN" dirty="0"/>
+              <a:t>3. git add . </a:t>
+            </a:r>
+          </a:p>
+          <a:p>
+            <a:endParaRPr lang="en-US" altLang="zh-CN" dirty="0"/>
+          </a:p>
+          <a:p>
+            <a:r>
+              <a:rPr lang="en-US" altLang="zh-CN" dirty="0"/>
+              <a:t>4. git commit –m </a:t>
+            </a:r>
+            <a:r>
+              <a:rPr lang="zh-CN" altLang="en-US" dirty="0"/>
+              <a:t>“</a:t>
+            </a:r>
+            <a:r>
+              <a:rPr lang="en-US" altLang="zh-CN" dirty="0"/>
+              <a:t>describe changes” </a:t>
+            </a:r>
+          </a:p>
+          <a:p>
+            <a:endParaRPr lang="en-US" altLang="zh-CN" dirty="0"/>
+          </a:p>
+          <a:p>
+            <a:r>
+              <a:rPr lang="en-US" dirty="0"/>
+              <a:t>5. git pull origin </a:t>
             </a:r>
             <a:r>
               <a:rPr lang="en-US" dirty="0" err="1"/>
-              <a:t>PdM</a:t>
-            </a:r>
-            <a:r>
-              <a:rPr lang="en-US" dirty="0"/>
-              <a:t> / </a:t>
-            </a:r>
-            <a:r>
-              <a:rPr lang="zh-CN" altLang="en-US" dirty="0"/>
-              <a:t>预测性维护对企业的益处</a:t>
+              <a:t>team_z</a:t>
             </a:r>
             <a:endParaRPr lang="en-US" dirty="0"/>
           </a:p>
-        </p:txBody>
-      </p:sp>
-      <p:sp>
-        <p:nvSpPr>
-          <p:cNvPr id="6" name="TextBox 5">
-            <a:extLst>
-              <a:ext uri="{FF2B5EF4-FFF2-40B4-BE49-F238E27FC236}">
-                <a16:creationId xmlns:a16="http://schemas.microsoft.com/office/drawing/2014/main" id="{23EB4840-530F-8777-5214-45EA32B6695E}"/>
-              </a:ext>
-            </a:extLst>
-          </p:cNvPr>
-          <p:cNvSpPr txBox="1"/>
-          <p:nvPr/>
-        </p:nvSpPr>
-        <p:spPr>
-          <a:xfrm>
-            <a:off x="253046" y="1503580"/>
-            <a:ext cx="8984452" cy="4093428"/>
-          </a:xfrm>
-          <a:prstGeom prst="rect">
-            <a:avLst/>
-          </a:prstGeom>
-          <a:noFill/>
-        </p:spPr>
-        <p:txBody>
-          <a:bodyPr wrap="square">
-            <a:spAutoFit/>
-          </a:bodyPr>
-          <a:lstStyle/>
-          <a:p>
-            <a:pPr algn="l"/>
-            <a:r>
-              <a:rPr lang="en-US" b="1" i="0" dirty="0">
-                <a:solidFill>
-                  <a:srgbClr val="202124"/>
-                </a:solidFill>
-                <a:effectLst/>
-                <a:latin typeface="Roboto" panose="02000000000000000000" pitchFamily="2" charset="0"/>
-              </a:rPr>
-              <a:t>Holistic Management System / </a:t>
-            </a:r>
-            <a:r>
-              <a:rPr lang="zh-CN" altLang="en-US" b="1" i="0" dirty="0">
-                <a:solidFill>
-                  <a:srgbClr val="202124"/>
-                </a:solidFill>
-                <a:effectLst/>
-                <a:latin typeface="Roboto" panose="02000000000000000000" pitchFamily="2" charset="0"/>
-              </a:rPr>
-              <a:t>整体管理： </a:t>
-            </a:r>
-            <a:endParaRPr lang="en-US" altLang="zh-CN" b="1" i="0" dirty="0">
-              <a:solidFill>
-                <a:srgbClr val="202124"/>
-              </a:solidFill>
-              <a:effectLst/>
-              <a:latin typeface="Roboto" panose="02000000000000000000" pitchFamily="2" charset="0"/>
-            </a:endParaRPr>
-          </a:p>
-          <a:p>
-            <a:pPr algn="l"/>
-            <a:endParaRPr lang="en-US" dirty="0">
-              <a:solidFill>
-                <a:srgbClr val="202124"/>
-              </a:solidFill>
-              <a:latin typeface="Roboto" panose="02000000000000000000" pitchFamily="2" charset="0"/>
-            </a:endParaRPr>
-          </a:p>
-          <a:p>
-            <a:pPr algn="l"/>
-            <a:r>
-              <a:rPr lang="en-US" b="0" i="0" dirty="0">
-                <a:solidFill>
-                  <a:srgbClr val="1B1A1A"/>
-                </a:solidFill>
-                <a:effectLst/>
-                <a:latin typeface="Roboto" panose="02000000000000000000" pitchFamily="2" charset="0"/>
-              </a:rPr>
-              <a:t>Implementing </a:t>
-            </a:r>
-            <a:r>
-              <a:rPr lang="en-US" b="0" i="0" u="none" strike="noStrike" dirty="0">
-                <a:solidFill>
-                  <a:srgbClr val="007FFF"/>
-                </a:solidFill>
-                <a:effectLst/>
-                <a:latin typeface="Roboto" panose="02000000000000000000" pitchFamily="2" charset="0"/>
-                <a:hlinkClick r:id="rId2"/>
-              </a:rPr>
-              <a:t>Predictive Maintenance</a:t>
-            </a:r>
-            <a:r>
-              <a:rPr lang="en-US" b="0" i="0" dirty="0">
-                <a:solidFill>
-                  <a:srgbClr val="1B1A1A"/>
-                </a:solidFill>
-                <a:effectLst/>
-                <a:latin typeface="Roboto" panose="02000000000000000000" pitchFamily="2" charset="0"/>
-              </a:rPr>
-              <a:t> becomes a value add-on in the management and execution of inventory, machine and </a:t>
-            </a:r>
-            <a:r>
-              <a:rPr lang="en-US" b="0" i="0" dirty="0" err="1">
-                <a:solidFill>
-                  <a:srgbClr val="1B1A1A"/>
-                </a:solidFill>
-                <a:effectLst/>
-                <a:latin typeface="Roboto" panose="02000000000000000000" pitchFamily="2" charset="0"/>
-              </a:rPr>
-              <a:t>labour</a:t>
-            </a:r>
-            <a:r>
-              <a:rPr lang="en-US" b="0" i="0" dirty="0">
-                <a:solidFill>
-                  <a:srgbClr val="1B1A1A"/>
-                </a:solidFill>
-                <a:effectLst/>
-                <a:latin typeface="Roboto" panose="02000000000000000000" pitchFamily="2" charset="0"/>
-              </a:rPr>
-              <a:t> operations in manufacturing. Predictive Maintenance solution facilitates a single entity for locating in real-time, the performance and condition of equipment in manufacturing along with data on supply chain and </a:t>
-            </a:r>
-            <a:r>
-              <a:rPr lang="en-US" b="0" i="0" dirty="0" err="1">
-                <a:solidFill>
-                  <a:srgbClr val="1B1A1A"/>
-                </a:solidFill>
-                <a:effectLst/>
-                <a:latin typeface="Roboto" panose="02000000000000000000" pitchFamily="2" charset="0"/>
-              </a:rPr>
-              <a:t>labour</a:t>
-            </a:r>
-            <a:r>
-              <a:rPr lang="en-US" b="0" i="0" dirty="0">
-                <a:solidFill>
-                  <a:srgbClr val="1B1A1A"/>
-                </a:solidFill>
-                <a:effectLst/>
-                <a:latin typeface="Roboto" panose="02000000000000000000" pitchFamily="2" charset="0"/>
-              </a:rPr>
-              <a:t> to predict stock requirements to ensure optimized resource utility.</a:t>
-            </a:r>
-          </a:p>
-          <a:p>
-            <a:pPr algn="l"/>
-            <a:endParaRPr lang="en-US" b="0" dirty="0">
-              <a:solidFill>
-                <a:srgbClr val="1B1A1A"/>
-              </a:solidFill>
-              <a:latin typeface="Roboto" panose="02000000000000000000" pitchFamily="2" charset="0"/>
-            </a:endParaRPr>
-          </a:p>
-          <a:p>
-            <a:pPr algn="l"/>
-            <a:br>
-              <a:rPr lang="zh-CN" altLang="en-US" dirty="0"/>
-            </a:br>
-            <a:r>
-              <a:rPr lang="zh-CN" altLang="en-US" b="0" i="0" dirty="0">
-                <a:solidFill>
-                  <a:srgbClr val="202124"/>
-                </a:solidFill>
-                <a:effectLst/>
-                <a:latin typeface="Roboto" panose="02000000000000000000" pitchFamily="2" charset="0"/>
-              </a:rPr>
-              <a:t>实施预测性维护成为制造中库存、机器和人工操作的管理和执行的附加值。预测性维护解决方案有助于单个实体实时定位制造中设备的性能和状况以及供应链和劳动力数据，以预测库存需求，以确保优化资源利用率。</a:t>
-            </a:r>
-            <a:endParaRPr lang="en-US" b="1" i="0" dirty="0">
-              <a:solidFill>
-                <a:srgbClr val="202124"/>
-              </a:solidFill>
-              <a:effectLst/>
-              <a:latin typeface="Roboto" panose="02000000000000000000" pitchFamily="2" charset="0"/>
-            </a:endParaRPr>
+          <a:p>
+            <a:endParaRPr lang="en-US" dirty="0"/>
+          </a:p>
+          <a:p>
+            <a:pPr marL="457200" indent="-457200">
+              <a:buAutoNum type="arabicPeriod"/>
+            </a:pPr>
+            <a:endParaRPr lang="en-US" dirty="0"/>
           </a:p>
         </p:txBody>
       </p:sp>
     </p:spTree>
     <p:extLst>
       <p:ext uri="{BB962C8B-B14F-4D97-AF65-F5344CB8AC3E}">
-        <p14:creationId xmlns:p14="http://schemas.microsoft.com/office/powerpoint/2010/main" val="2233420860"/>
+        <p14:creationId xmlns:p14="http://schemas.microsoft.com/office/powerpoint/2010/main" val="1874133034"/>
       </p:ext>
     </p:extLst>
   </p:cSld>
@@ -6971,7 +7009,7 @@
         <p:spPr>
           <a:xfrm>
             <a:off x="253046" y="1503580"/>
-            <a:ext cx="8984452" cy="3785652"/>
+            <a:ext cx="8984452" cy="4093428"/>
           </a:xfrm>
           <a:prstGeom prst="rect">
             <a:avLst/>
@@ -6984,6 +7022,7 @@
           </a:bodyPr>
           <a:lstStyle/>
           <a:p>
+            <a:pPr algn="l"/>
             <a:r>
               <a:rPr lang="en-US" b="1" i="0" dirty="0">
                 <a:solidFill>
@@ -6992,7 +7031,7 @@
                 <a:effectLst/>
                 <a:latin typeface="Roboto" panose="02000000000000000000" pitchFamily="2" charset="0"/>
               </a:rPr>
-              <a:t>Automated Scheduling of Maintenance / </a:t>
+              <a:t>Holistic Management System / </a:t>
             </a:r>
             <a:r>
               <a:rPr lang="zh-CN" altLang="en-US" b="1" i="0" dirty="0">
@@ -7002,7 +7041,122 @@
                 <a:effectLst/>
                 <a:latin typeface="Roboto" panose="02000000000000000000" pitchFamily="2" charset="0"/>
               </a:rPr>
-              <a:t>维护计划自动化</a:t>
+              <a:t>整体管理： </a:t>
+            </a:r>
+            <a:endParaRPr lang="en-US" altLang="zh-CN" b="1" i="0" dirty="0">
+              <a:solidFill>
+                <a:srgbClr val="202124"/>
+              </a:solidFill>
+              <a:effectLst/>
+              <a:latin typeface="Roboto" panose="02000000000000000000" pitchFamily="2" charset="0"/>
+            </a:endParaRPr>
+          </a:p>
+          <a:p>
+            <a:pPr algn="l"/>
+            <a:endParaRPr lang="en-US" dirty="0">
+              <a:solidFill>
+                <a:srgbClr val="202124"/>
+              </a:solidFill>
+              <a:latin typeface="Roboto" panose="02000000000000000000" pitchFamily="2" charset="0"/>
+            </a:endParaRPr>
+          </a:p>
+          <a:p>
+            <a:pPr algn="l"/>
+            <a:r>
+              <a:rPr lang="en-US" b="0" i="0" dirty="0">
+                <a:solidFill>
+                  <a:srgbClr val="1B1A1A"/>
+                </a:solidFill>
+                <a:effectLst/>
+                <a:latin typeface="Roboto" panose="02000000000000000000" pitchFamily="2" charset="0"/>
+              </a:rPr>
+              <a:t>Implementing </a:t>
+            </a:r>
+            <a:r>
+              <a:rPr lang="en-US" b="0" i="0" u="none" strike="noStrike" dirty="0">
+                <a:solidFill>
+                  <a:srgbClr val="007FFF"/>
+                </a:solidFill>
+                <a:effectLst/>
+                <a:latin typeface="Roboto" panose="02000000000000000000" pitchFamily="2" charset="0"/>
+                <a:hlinkClick r:id="rId2"/>
+              </a:rPr>
+              <a:t>Predictive Maintenance</a:t>
+            </a:r>
+            <a:r>
+              <a:rPr lang="en-US" b="0" i="0" dirty="0">
+                <a:solidFill>
+                  <a:srgbClr val="1B1A1A"/>
+                </a:solidFill>
+                <a:effectLst/>
+                <a:latin typeface="Roboto" panose="02000000000000000000" pitchFamily="2" charset="0"/>
+              </a:rPr>
+              <a:t> becomes a value add-on in the management and execution of inventory, machine and </a:t>
+            </a:r>
+            <a:r>
+              <a:rPr lang="en-US" b="0" i="0" dirty="0" err="1">
+                <a:solidFill>
+                  <a:srgbClr val="1B1A1A"/>
+                </a:solidFill>
+                <a:effectLst/>
+                <a:latin typeface="Roboto" panose="02000000000000000000" pitchFamily="2" charset="0"/>
+              </a:rPr>
+              <a:t>labour</a:t>
+            </a:r>
+            <a:r>
+              <a:rPr lang="en-US" b="0" i="0" dirty="0">
+                <a:solidFill>
+                  <a:srgbClr val="1B1A1A"/>
+                </a:solidFill>
+                <a:effectLst/>
+                <a:latin typeface="Roboto" panose="02000000000000000000" pitchFamily="2" charset="0"/>
+              </a:rPr>
+              <a:t> operations in manufacturing. Predictive Maintenance solution facilitates a single entity for locating in real-time, the performance and condition of equipment in manufacturing along with data on supply chain and </a:t>
+            </a:r>
+            <a:r>
+              <a:rPr lang="en-US" b="0" i="0" dirty="0" err="1">
+                <a:solidFill>
+                  <a:srgbClr val="1B1A1A"/>
+                </a:solidFill>
+                <a:effectLst/>
+                <a:latin typeface="Roboto" panose="02000000000000000000" pitchFamily="2" charset="0"/>
+              </a:rPr>
+              <a:t>labour</a:t>
+            </a:r>
+            <a:r>
+              <a:rPr lang="en-US" b="0" i="0" dirty="0">
+                <a:solidFill>
+                  <a:srgbClr val="1B1A1A"/>
+                </a:solidFill>
+                <a:effectLst/>
+                <a:latin typeface="Roboto" panose="02000000000000000000" pitchFamily="2" charset="0"/>
+              </a:rPr>
+              <a:t> to predict stock requirements to ensure optimized resource utility.</a:t>
+            </a:r>
+          </a:p>
+          <a:p>
+            <a:pPr algn="l"/>
+            <a:endParaRPr lang="en-US" b="0" dirty="0">
+              <a:solidFill>
+                <a:srgbClr val="1B1A1A"/>
+              </a:solidFill>
+              <a:latin typeface="Roboto" panose="02000000000000000000" pitchFamily="2" charset="0"/>
+            </a:endParaRPr>
+          </a:p>
+          <a:p>
+            <a:pPr algn="l"/>
+            <a:br>
+              <a:rPr lang="zh-CN" altLang="en-US" dirty="0"/>
+            </a:br>
+            <a:r>
+              <a:rPr lang="zh-CN" altLang="en-US" b="0" i="0" dirty="0">
+                <a:solidFill>
+                  <a:srgbClr val="202124"/>
+                </a:solidFill>
+                <a:effectLst/>
+                <a:latin typeface="Roboto" panose="02000000000000000000" pitchFamily="2" charset="0"/>
+              </a:rPr>
+              <a:t>实施预测性维护成为制造中库存、机器和人工操作的管理和执行的附加值。预测性维护解决方案有助于单个实体实时定位制造中设备的性能和状况以及供应链和劳动力数据，以预测库存需求，以确保优化资源利用率。</a:t>
             </a:r>
             <a:endParaRPr lang="en-US" b="1" i="0" dirty="0">
               <a:solidFill>
@@ -7012,87 +7166,12 @@
               <a:latin typeface="Roboto" panose="02000000000000000000" pitchFamily="2" charset="0"/>
             </a:endParaRPr>
           </a:p>
-          <a:p>
-            <a:pPr algn="l"/>
-            <a:endParaRPr lang="en-US" b="0" i="0" dirty="0">
-              <a:solidFill>
-                <a:srgbClr val="1B1A1A"/>
-              </a:solidFill>
-              <a:effectLst/>
-              <a:latin typeface="Roboto" panose="02000000000000000000" pitchFamily="2" charset="0"/>
-            </a:endParaRPr>
-          </a:p>
-          <a:p>
-            <a:pPr algn="l"/>
-            <a:r>
-              <a:rPr lang="en-US" b="0" i="0" dirty="0">
-                <a:solidFill>
-                  <a:srgbClr val="1B1A1A"/>
-                </a:solidFill>
-                <a:effectLst/>
-                <a:latin typeface="Roboto" panose="02000000000000000000" pitchFamily="2" charset="0"/>
-              </a:rPr>
-              <a:t>Software that offers Predictive Maintenance run based on artificial intelligence and analytics to advance prediction that supports generating valuable insights. These analytics prompt automated scheduling of service/maintenance based on machine usage, and performance statistics. It also enables automated job assignments and timeline management.</a:t>
-            </a:r>
-          </a:p>
-          <a:p>
-            <a:pPr algn="l"/>
-            <a:endParaRPr lang="en-US" b="0" dirty="0">
-              <a:solidFill>
-                <a:srgbClr val="1B1A1A"/>
-              </a:solidFill>
-              <a:latin typeface="Roboto" panose="02000000000000000000" pitchFamily="2" charset="0"/>
-            </a:endParaRPr>
-          </a:p>
-          <a:p>
-            <a:pPr algn="l"/>
-            <a:br>
-              <a:rPr lang="zh-CN" altLang="en-US" dirty="0"/>
-            </a:br>
-            <a:r>
-              <a:rPr lang="zh-CN" altLang="en-US" b="0" i="0" dirty="0">
-                <a:solidFill>
-                  <a:srgbClr val="202124"/>
-                </a:solidFill>
-                <a:effectLst/>
-                <a:latin typeface="Roboto" panose="02000000000000000000" pitchFamily="2" charset="0"/>
-              </a:rPr>
-              <a:t>提供基于人工智能和分析的预测性维护运行的软件，以推进支持生成有价值见解的预测。这些分析会根据机器使用情况和性能统计信息自动安排服务</a:t>
-            </a:r>
-            <a:r>
-              <a:rPr lang="en-US" altLang="zh-CN" b="0" i="0" dirty="0">
-                <a:solidFill>
-                  <a:srgbClr val="202124"/>
-                </a:solidFill>
-                <a:effectLst/>
-                <a:latin typeface="Roboto" panose="02000000000000000000" pitchFamily="2" charset="0"/>
-              </a:rPr>
-              <a:t>/</a:t>
-            </a:r>
-            <a:r>
-              <a:rPr lang="zh-CN" altLang="en-US" b="0" i="0" dirty="0">
-                <a:solidFill>
-                  <a:srgbClr val="202124"/>
-                </a:solidFill>
-                <a:effectLst/>
-                <a:latin typeface="Roboto" panose="02000000000000000000" pitchFamily="2" charset="0"/>
-              </a:rPr>
-              <a:t>维护。它还支持自动化的工作分配和时间线管理。</a:t>
-            </a:r>
-            <a:endParaRPr lang="en-US" b="1" i="0" dirty="0">
-              <a:solidFill>
-                <a:srgbClr val="202124"/>
-              </a:solidFill>
-              <a:effectLst/>
-              <a:latin typeface="Roboto" panose="02000000000000000000" pitchFamily="2" charset="0"/>
-            </a:endParaRPr>
-          </a:p>
         </p:txBody>
       </p:sp>
     </p:spTree>
     <p:extLst>
       <p:ext uri="{BB962C8B-B14F-4D97-AF65-F5344CB8AC3E}">
-        <p14:creationId xmlns:p14="http://schemas.microsoft.com/office/powerpoint/2010/main" val="3347398065"/>
+        <p14:creationId xmlns:p14="http://schemas.microsoft.com/office/powerpoint/2010/main" val="2233420860"/>
       </p:ext>
     </p:extLst>
   </p:cSld>
@@ -7272,7 +7351,7 @@
         <p:spPr>
           <a:xfrm>
             <a:off x="253046" y="1503580"/>
-            <a:ext cx="8984452" cy="3477875"/>
+            <a:ext cx="8984452" cy="3785652"/>
           </a:xfrm>
           <a:prstGeom prst="rect">
             <a:avLst/>
@@ -7293,7 +7372,7 @@
                 <a:effectLst/>
                 <a:latin typeface="Roboto" panose="02000000000000000000" pitchFamily="2" charset="0"/>
               </a:rPr>
-              <a:t>Safety and Compliance/ </a:t>
+              <a:t>Automated Scheduling of Maintenance / </a:t>
             </a:r>
             <a:r>
               <a:rPr lang="zh-CN" altLang="en-US" b="1" i="0" dirty="0">
@@ -7303,7 +7382,7 @@
                 <a:effectLst/>
                 <a:latin typeface="Roboto" panose="02000000000000000000" pitchFamily="2" charset="0"/>
               </a:rPr>
-              <a:t>提高安全性</a:t>
+              <a:t>维护计划自动化</a:t>
             </a:r>
             <a:endParaRPr lang="en-US" b="1" i="0" dirty="0">
               <a:solidFill>
@@ -7333,7 +7412,7 @@
                 <a:effectLst/>
                 <a:latin typeface="Roboto" panose="02000000000000000000" pitchFamily="2" charset="0"/>
               </a:rPr>
-              <a:t>Predictive Maintenance facilitates not only machine/asset maintenance but also ensures to notify/reminders on parameters concerning the safety of machines and operators. It helps companies prioritize the health of machines as well as workers’ safety along with sustaining compliance..</a:t>
+              <a:t>Software that offers Predictive Maintenance run based on artificial intelligence and analytics to advance prediction that supports generating valuable insights. These analytics prompt automated scheduling of service/maintenance based on machine usage, and performance statistics. It also enables automated job assignments and timeline management.</a:t>
             </a:r>
           </a:p>
           <a:p>
@@ -7358,7 +7437,7 @@
                 <a:effectLst/>
                 <a:latin typeface="Roboto" panose="02000000000000000000" pitchFamily="2" charset="0"/>
               </a:rPr>
-              <a:t>预测性维护不仅有助于机器</a:t>
+              <a:t>提供基于人工智能和分析的预测性维护运行的软件，以推进支持生成有价值见解的预测。这些分析会根据机器使用情况和性能统计信息自动安排服务</a:t>
             </a:r>
             <a:r>
               <a:rPr lang="en-US" altLang="zh-CN" b="0" i="0" dirty="0">
@@ -7378,27 +7457,7 @@
                 <a:effectLst/>
                 <a:latin typeface="Roboto" panose="02000000000000000000" pitchFamily="2" charset="0"/>
               </a:rPr>
-              <a:t>资产维护，而且还确保通知</a:t>
-            </a:r>
-            <a:r>
-              <a:rPr lang="en-US" altLang="zh-CN" b="0" i="0" dirty="0">
-                <a:solidFill>
-                  <a:srgbClr val="202124"/>
-                </a:solidFill>
-                <a:effectLst/>
-                <a:latin typeface="Roboto" panose="02000000000000000000" pitchFamily="2" charset="0"/>
-              </a:rPr>
-              <a:t>/</a:t>
-            </a:r>
-            <a:r>
-              <a:rPr lang="zh-CN" altLang="en-US" b="0" i="0" dirty="0">
-                <a:solidFill>
-                  <a:srgbClr val="202124"/>
-                </a:solidFill>
-                <a:effectLst/>
-                <a:latin typeface="Roboto" panose="02000000000000000000" pitchFamily="2" charset="0"/>
-              </a:rPr>
-              <a:t>提醒有关机器和操作员安全的参数。它可以帮助公司优先考虑机器的健康和工人的安全，同时保持合规性</a:t>
+              <a:t>维护。它还支持自动化的工作分配和时间线管理。</a:t>
             </a:r>
             <a:endParaRPr lang="en-US" b="1" i="0" dirty="0">
               <a:solidFill>
@@ -7413,7 +7472,7 @@
     </p:spTree>
     <p:extLst>
       <p:ext uri="{BB962C8B-B14F-4D97-AF65-F5344CB8AC3E}">
-        <p14:creationId xmlns:p14="http://schemas.microsoft.com/office/powerpoint/2010/main" val="1328909845"/>
+        <p14:creationId xmlns:p14="http://schemas.microsoft.com/office/powerpoint/2010/main" val="3347398065"/>
       </p:ext>
     </p:extLst>
   </p:cSld>
@@ -7832,7 +7891,7 @@
         <p:spPr>
           <a:xfrm>
             <a:off x="253046" y="1503580"/>
-            <a:ext cx="8984452" cy="3170099"/>
+            <a:ext cx="8984452" cy="3477875"/>
           </a:xfrm>
           <a:prstGeom prst="rect">
             <a:avLst/>
@@ -7853,16 +7912,17 @@
                 <a:effectLst/>
                 <a:latin typeface="Roboto" panose="02000000000000000000" pitchFamily="2" charset="0"/>
               </a:rPr>
-              <a:t>Optimize Workflow/ </a:t>
-            </a:r>
-            <a:r>
-              <a:rPr lang="zh-CN" altLang="en-US" dirty="0">
+              <a:t>Safety and Compliance/ </a:t>
+            </a:r>
+            <a:r>
+              <a:rPr lang="zh-CN" altLang="en-US" b="1" i="0" dirty="0">
                 <a:solidFill>
                   <a:srgbClr val="202124"/>
                 </a:solidFill>
+                <a:effectLst/>
                 <a:latin typeface="Roboto" panose="02000000000000000000" pitchFamily="2" charset="0"/>
               </a:rPr>
-              <a:t>优化流程</a:t>
+              <a:t>提高安全性</a:t>
             </a:r>
             <a:endParaRPr lang="en-US" b="1" i="0" dirty="0">
               <a:solidFill>
@@ -7892,28 +7952,11 @@
                 <a:effectLst/>
                 <a:latin typeface="Roboto" panose="02000000000000000000" pitchFamily="2" charset="0"/>
               </a:rPr>
-              <a:t>Without elaborate insights on high productive hours, </a:t>
-            </a:r>
-            <a:r>
-              <a:rPr lang="en-US" b="0" i="0" dirty="0" err="1">
-                <a:solidFill>
-                  <a:srgbClr val="1B1A1A"/>
-                </a:solidFill>
-                <a:effectLst/>
-                <a:latin typeface="Roboto" panose="02000000000000000000" pitchFamily="2" charset="0"/>
-              </a:rPr>
-              <a:t>labour</a:t>
-            </a:r>
-            <a:r>
-              <a:rPr lang="en-US" b="0" i="0" dirty="0">
-                <a:solidFill>
-                  <a:srgbClr val="1B1A1A"/>
-                </a:solidFill>
-                <a:effectLst/>
-                <a:latin typeface="Roboto" panose="02000000000000000000" pitchFamily="2" charset="0"/>
-              </a:rPr>
-              <a:t> and machine availability, it is difficult to optimize production workflows. Employing predictive maintenance will provide insightful data on various machine parameters that suffice to optimize workflow.</a:t>
-            </a:r>
+              <a:t>Predictive Maintenance facilitates not only machine/asset maintenance but also ensures to notify/reminders on parameters concerning the safety of machines and operators. It helps companies prioritize the health of machines as well as workers’ safety along with sustaining compliance..</a:t>
+            </a:r>
+          </a:p>
+          <a:p>
+            <a:pPr algn="l"/>
             <a:endParaRPr lang="en-US" b="0" dirty="0">
               <a:solidFill>
                 <a:srgbClr val="1B1A1A"/>
@@ -7934,7 +7977,47 @@
                 <a:effectLst/>
                 <a:latin typeface="Roboto" panose="02000000000000000000" pitchFamily="2" charset="0"/>
               </a:rPr>
-              <a:t>如果没有对高生产时间、劳动力和机器可用性的详细了解，就很难优化生产工作流程。采用预测性维护将提供有关足以优化工作流程的各种机器参数的有见地的数据</a:t>
+              <a:t>预测性维护不仅有助于机器</a:t>
+            </a:r>
+            <a:r>
+              <a:rPr lang="en-US" altLang="zh-CN" b="0" i="0" dirty="0">
+                <a:solidFill>
+                  <a:srgbClr val="202124"/>
+                </a:solidFill>
+                <a:effectLst/>
+                <a:latin typeface="Roboto" panose="02000000000000000000" pitchFamily="2" charset="0"/>
+              </a:rPr>
+              <a:t>/</a:t>
+            </a:r>
+            <a:r>
+              <a:rPr lang="zh-CN" altLang="en-US" b="0" i="0" dirty="0">
+                <a:solidFill>
+                  <a:srgbClr val="202124"/>
+                </a:solidFill>
+                <a:effectLst/>
+                <a:latin typeface="Roboto" panose="02000000000000000000" pitchFamily="2" charset="0"/>
+              </a:rPr>
+              <a:t>资产维护，而且还确保通知</a:t>
+            </a:r>
+            <a:r>
+              <a:rPr lang="en-US" altLang="zh-CN" b="0" i="0" dirty="0">
+                <a:solidFill>
+                  <a:srgbClr val="202124"/>
+                </a:solidFill>
+                <a:effectLst/>
+                <a:latin typeface="Roboto" panose="02000000000000000000" pitchFamily="2" charset="0"/>
+              </a:rPr>
+              <a:t>/</a:t>
+            </a:r>
+            <a:r>
+              <a:rPr lang="zh-CN" altLang="en-US" b="0" i="0" dirty="0">
+                <a:solidFill>
+                  <a:srgbClr val="202124"/>
+                </a:solidFill>
+                <a:effectLst/>
+                <a:latin typeface="Roboto" panose="02000000000000000000" pitchFamily="2" charset="0"/>
+              </a:rPr>
+              <a:t>提醒有关机器和操作员安全的参数。它可以帮助公司优先考虑机器的健康和工人的安全，同时保持合规性</a:t>
             </a:r>
             <a:endParaRPr lang="en-US" b="1" i="0" dirty="0">
               <a:solidFill>
@@ -7949,7 +8032,7 @@
     </p:spTree>
     <p:extLst>
       <p:ext uri="{BB962C8B-B14F-4D97-AF65-F5344CB8AC3E}">
-        <p14:creationId xmlns:p14="http://schemas.microsoft.com/office/powerpoint/2010/main" val="705312703"/>
+        <p14:creationId xmlns:p14="http://schemas.microsoft.com/office/powerpoint/2010/main" val="1328909845"/>
       </p:ext>
     </p:extLst>
   </p:cSld>
@@ -8054,6 +8137,303 @@
           <a:p>
             <a:r>
               <a:rPr lang="en-US" altLang="zh-CN" sz="2800" dirty="0"/>
+              <a:t>Predictive Maintenance </a:t>
+            </a:r>
+            <a:r>
+              <a:rPr lang="zh-CN" altLang="en-US" sz="2800" dirty="0"/>
+              <a:t>预测性维护</a:t>
+            </a:r>
+            <a:endParaRPr lang="en-US" sz="3600" dirty="0">
+              <a:latin typeface="+mn-lt"/>
+            </a:endParaRPr>
+          </a:p>
+        </p:txBody>
+      </p:sp>
+      <p:sp>
+        <p:nvSpPr>
+          <p:cNvPr id="4" name="TextBox 3">
+            <a:extLst>
+              <a:ext uri="{FF2B5EF4-FFF2-40B4-BE49-F238E27FC236}">
+                <a16:creationId xmlns:a16="http://schemas.microsoft.com/office/drawing/2014/main" id="{D079E7B7-7CF5-1023-BAC4-4695F462AB41}"/>
+              </a:ext>
+            </a:extLst>
+          </p:cNvPr>
+          <p:cNvSpPr txBox="1"/>
+          <p:nvPr/>
+        </p:nvSpPr>
+        <p:spPr>
+          <a:xfrm>
+            <a:off x="234176" y="980360"/>
+            <a:ext cx="9132848" cy="400110"/>
+          </a:xfrm>
+          <a:prstGeom prst="rect">
+            <a:avLst/>
+          </a:prstGeom>
+          <a:noFill/>
+        </p:spPr>
+        <p:txBody>
+          <a:bodyPr wrap="square">
+            <a:spAutoFit/>
+          </a:bodyPr>
+          <a:lstStyle/>
+          <a:p>
+            <a:r>
+              <a:rPr lang="en-US" dirty="0"/>
+              <a:t>Crucial Benefits of </a:t>
+            </a:r>
+            <a:r>
+              <a:rPr lang="en-US" dirty="0" err="1"/>
+              <a:t>PdM</a:t>
+            </a:r>
+            <a:r>
+              <a:rPr lang="en-US" dirty="0"/>
+              <a:t> / </a:t>
+            </a:r>
+            <a:r>
+              <a:rPr lang="zh-CN" altLang="en-US" dirty="0"/>
+              <a:t>预测性维护对企业的益处</a:t>
+            </a:r>
+            <a:endParaRPr lang="en-US" dirty="0"/>
+          </a:p>
+        </p:txBody>
+      </p:sp>
+      <p:sp>
+        <p:nvSpPr>
+          <p:cNvPr id="6" name="TextBox 5">
+            <a:extLst>
+              <a:ext uri="{FF2B5EF4-FFF2-40B4-BE49-F238E27FC236}">
+                <a16:creationId xmlns:a16="http://schemas.microsoft.com/office/drawing/2014/main" id="{23EB4840-530F-8777-5214-45EA32B6695E}"/>
+              </a:ext>
+            </a:extLst>
+          </p:cNvPr>
+          <p:cNvSpPr txBox="1"/>
+          <p:nvPr/>
+        </p:nvSpPr>
+        <p:spPr>
+          <a:xfrm>
+            <a:off x="253046" y="1503580"/>
+            <a:ext cx="8984452" cy="3170099"/>
+          </a:xfrm>
+          <a:prstGeom prst="rect">
+            <a:avLst/>
+          </a:prstGeom>
+          <a:noFill/>
+        </p:spPr>
+        <p:txBody>
+          <a:bodyPr wrap="square">
+            <a:spAutoFit/>
+          </a:bodyPr>
+          <a:lstStyle/>
+          <a:p>
+            <a:r>
+              <a:rPr lang="en-US" b="1" i="0" dirty="0">
+                <a:solidFill>
+                  <a:srgbClr val="202124"/>
+                </a:solidFill>
+                <a:effectLst/>
+                <a:latin typeface="Roboto" panose="02000000000000000000" pitchFamily="2" charset="0"/>
+              </a:rPr>
+              <a:t>Optimize Workflow/ </a:t>
+            </a:r>
+            <a:r>
+              <a:rPr lang="zh-CN" altLang="en-US" dirty="0">
+                <a:solidFill>
+                  <a:srgbClr val="202124"/>
+                </a:solidFill>
+                <a:latin typeface="Roboto" panose="02000000000000000000" pitchFamily="2" charset="0"/>
+              </a:rPr>
+              <a:t>优化流程</a:t>
+            </a:r>
+            <a:endParaRPr lang="en-US" b="1" i="0" dirty="0">
+              <a:solidFill>
+                <a:srgbClr val="202124"/>
+              </a:solidFill>
+              <a:effectLst/>
+              <a:latin typeface="Roboto" panose="02000000000000000000" pitchFamily="2" charset="0"/>
+            </a:endParaRPr>
+          </a:p>
+          <a:p>
+            <a:pPr algn="l"/>
+            <a:endParaRPr lang="en-US" b="0" i="0" dirty="0">
+              <a:solidFill>
+                <a:srgbClr val="1B1A1A"/>
+              </a:solidFill>
+              <a:effectLst/>
+              <a:latin typeface="Roboto" panose="02000000000000000000" pitchFamily="2" charset="0"/>
+            </a:endParaRPr>
+          </a:p>
+          <a:p>
+            <a:pPr algn="l"/>
+            <a:r>
+              <a:rPr lang="en-US" b="0" i="0" dirty="0">
+                <a:solidFill>
+                  <a:srgbClr val="1B1A1A"/>
+                </a:solidFill>
+                <a:effectLst/>
+                <a:latin typeface="Roboto" panose="02000000000000000000" pitchFamily="2" charset="0"/>
+              </a:rPr>
+              <a:t>Without elaborate insights on high productive hours, </a:t>
+            </a:r>
+            <a:r>
+              <a:rPr lang="en-US" b="0" i="0" dirty="0" err="1">
+                <a:solidFill>
+                  <a:srgbClr val="1B1A1A"/>
+                </a:solidFill>
+                <a:effectLst/>
+                <a:latin typeface="Roboto" panose="02000000000000000000" pitchFamily="2" charset="0"/>
+              </a:rPr>
+              <a:t>labour</a:t>
+            </a:r>
+            <a:r>
+              <a:rPr lang="en-US" b="0" i="0" dirty="0">
+                <a:solidFill>
+                  <a:srgbClr val="1B1A1A"/>
+                </a:solidFill>
+                <a:effectLst/>
+                <a:latin typeface="Roboto" panose="02000000000000000000" pitchFamily="2" charset="0"/>
+              </a:rPr>
+              <a:t> and machine availability, it is difficult to optimize production workflows. Employing predictive maintenance will provide insightful data on various machine parameters that suffice to optimize workflow.</a:t>
+            </a:r>
+            <a:endParaRPr lang="en-US" b="0" dirty="0">
+              <a:solidFill>
+                <a:srgbClr val="1B1A1A"/>
+              </a:solidFill>
+              <a:latin typeface="Roboto" panose="02000000000000000000" pitchFamily="2" charset="0"/>
+            </a:endParaRPr>
+          </a:p>
+          <a:p>
+            <a:pPr algn="l"/>
+            <a:br>
+              <a:rPr lang="zh-CN" altLang="en-US" dirty="0"/>
+            </a:br>
+            <a:r>
+              <a:rPr lang="zh-CN" altLang="en-US" b="0" i="0" dirty="0">
+                <a:solidFill>
+                  <a:srgbClr val="202124"/>
+                </a:solidFill>
+                <a:effectLst/>
+                <a:latin typeface="Roboto" panose="02000000000000000000" pitchFamily="2" charset="0"/>
+              </a:rPr>
+              <a:t>如果没有对高生产时间、劳动力和机器可用性的详细了解，就很难优化生产工作流程。采用预测性维护将提供有关足以优化工作流程的各种机器参数的有见地的数据</a:t>
+            </a:r>
+            <a:endParaRPr lang="en-US" b="1" i="0" dirty="0">
+              <a:solidFill>
+                <a:srgbClr val="202124"/>
+              </a:solidFill>
+              <a:effectLst/>
+              <a:latin typeface="Roboto" panose="02000000000000000000" pitchFamily="2" charset="0"/>
+            </a:endParaRPr>
+          </a:p>
+        </p:txBody>
+      </p:sp>
+    </p:spTree>
+    <p:extLst>
+      <p:ext uri="{BB962C8B-B14F-4D97-AF65-F5344CB8AC3E}">
+        <p14:creationId xmlns:p14="http://schemas.microsoft.com/office/powerpoint/2010/main" val="705312703"/>
+      </p:ext>
+    </p:extLst>
+  </p:cSld>
+  <p:clrMapOvr>
+    <a:masterClrMapping/>
+  </p:clrMapOvr>
+</p:sld>
+</file>
+
+<file path=ppt/slides/slide22.xml><?xml version="1.0" encoding="utf-8"?>
+<p:sld xmlns:a="http://schemas.openxmlformats.org/drawingml/2006/main" xmlns:r="http://schemas.openxmlformats.org/officeDocument/2006/relationships" xmlns:p="http://schemas.openxmlformats.org/presentationml/2006/main">
+  <p:cSld>
+    <p:spTree>
+      <p:nvGrpSpPr>
+        <p:cNvPr id="1" name=""/>
+        <p:cNvGrpSpPr/>
+        <p:nvPr/>
+      </p:nvGrpSpPr>
+      <p:grpSpPr>
+        <a:xfrm>
+          <a:off x="0" y="0"/>
+          <a:ext cx="0" cy="0"/>
+          <a:chOff x="0" y="0"/>
+          <a:chExt cx="0" cy="0"/>
+        </a:xfrm>
+      </p:grpSpPr>
+      <p:sp>
+        <p:nvSpPr>
+          <p:cNvPr id="3" name="TextBox 2">
+            <a:extLst>
+              <a:ext uri="{FF2B5EF4-FFF2-40B4-BE49-F238E27FC236}">
+                <a16:creationId xmlns:a16="http://schemas.microsoft.com/office/drawing/2014/main" id="{AF8FC9BB-9DB2-095C-1565-78DB9BCA5227}"/>
+              </a:ext>
+            </a:extLst>
+          </p:cNvPr>
+          <p:cNvSpPr txBox="1"/>
+          <p:nvPr/>
+        </p:nvSpPr>
+        <p:spPr>
+          <a:xfrm>
+            <a:off x="7165428" y="857250"/>
+            <a:ext cx="1978573" cy="323165"/>
+          </a:xfrm>
+          <a:prstGeom prst="rect">
+            <a:avLst/>
+          </a:prstGeom>
+          <a:noFill/>
+        </p:spPr>
+        <p:txBody>
+          <a:bodyPr wrap="square" rtlCol="0">
+            <a:spAutoFit/>
+          </a:bodyPr>
+          <a:lstStyle/>
+          <a:p>
+            <a:pPr algn="r"/>
+            <a:r>
+              <a:rPr lang="en-US" altLang="zh-CN" sz="1500" dirty="0">
+                <a:solidFill>
+                  <a:schemeClr val="bg1">
+                    <a:lumMod val="85000"/>
+                  </a:schemeClr>
+                </a:solidFill>
+              </a:rPr>
+              <a:t>AAFIE, 2022</a:t>
+            </a:r>
+            <a:endParaRPr lang="en-US" sz="1500" dirty="0">
+              <a:solidFill>
+                <a:schemeClr val="bg1">
+                  <a:lumMod val="85000"/>
+                </a:schemeClr>
+              </a:solidFill>
+            </a:endParaRPr>
+          </a:p>
+        </p:txBody>
+      </p:sp>
+      <p:sp>
+        <p:nvSpPr>
+          <p:cNvPr id="10" name="Rectangle 9">
+            <a:extLst>
+              <a:ext uri="{FF2B5EF4-FFF2-40B4-BE49-F238E27FC236}">
+                <a16:creationId xmlns:a16="http://schemas.microsoft.com/office/drawing/2014/main" id="{1510A9D2-9B0F-CE65-A9E9-831F782E8464}"/>
+              </a:ext>
+            </a:extLst>
+          </p:cNvPr>
+          <p:cNvSpPr/>
+          <p:nvPr/>
+        </p:nvSpPr>
+        <p:spPr>
+          <a:xfrm>
+            <a:off x="635619" y="247842"/>
+            <a:ext cx="8601879" cy="523220"/>
+          </a:xfrm>
+          <a:prstGeom prst="rect">
+            <a:avLst/>
+          </a:prstGeom>
+        </p:spPr>
+        <p:txBody>
+          <a:bodyPr wrap="square">
+            <a:spAutoFit/>
+          </a:bodyPr>
+          <a:lstStyle/>
+          <a:p>
+            <a:r>
+              <a:rPr lang="en-US" altLang="zh-CN" sz="2800" dirty="0"/>
               <a:t>Team up / Datasets / </a:t>
             </a:r>
             <a:r>
@@ -8171,7 +8551,7 @@
 </p:sld>
 </file>
 
-<file path=ppt/slides/slide22.xml><?xml version="1.0" encoding="utf-8"?>
+<file path=ppt/slides/slide23.xml><?xml version="1.0" encoding="utf-8"?>
 <p:sld xmlns:a="http://schemas.openxmlformats.org/drawingml/2006/main" xmlns:r="http://schemas.openxmlformats.org/officeDocument/2006/relationships" xmlns:p="http://schemas.openxmlformats.org/presentationml/2006/main">
   <p:cSld>
     <p:spTree>
@@ -8381,7 +8761,7 @@
 </p:sld>
 </file>
 
-<file path=ppt/slides/slide23.xml><?xml version="1.0" encoding="utf-8"?>
+<file path=ppt/slides/slide24.xml><?xml version="1.0" encoding="utf-8"?>
 <p:sld xmlns:a="http://schemas.openxmlformats.org/drawingml/2006/main" xmlns:r="http://schemas.openxmlformats.org/officeDocument/2006/relationships" xmlns:p="http://schemas.openxmlformats.org/presentationml/2006/main">
   <p:cSld>
     <p:spTree>
@@ -8574,7 +8954,7 @@
 </p:sld>
 </file>
 
-<file path=ppt/slides/slide24.xml><?xml version="1.0" encoding="utf-8"?>
+<file path=ppt/slides/slide25.xml><?xml version="1.0" encoding="utf-8"?>
 <p:sld xmlns:a="http://schemas.openxmlformats.org/drawingml/2006/main" xmlns:r="http://schemas.openxmlformats.org/officeDocument/2006/relationships" xmlns:p="http://schemas.openxmlformats.org/presentationml/2006/main">
   <p:cSld>
     <p:spTree>
@@ -8771,7 +9151,7 @@
 </p:sld>
 </file>
 
-<file path=ppt/slides/slide25.xml><?xml version="1.0" encoding="utf-8"?>
+<file path=ppt/slides/slide26.xml><?xml version="1.0" encoding="utf-8"?>
 <p:sld xmlns:a="http://schemas.openxmlformats.org/drawingml/2006/main" xmlns:r="http://schemas.openxmlformats.org/officeDocument/2006/relationships" xmlns:p="http://schemas.openxmlformats.org/presentationml/2006/main">
   <p:cSld>
     <p:spTree>
@@ -8977,7 +9357,7 @@
 </p:sld>
 </file>
 
-<file path=ppt/slides/slide26.xml><?xml version="1.0" encoding="utf-8"?>
+<file path=ppt/slides/slide27.xml><?xml version="1.0" encoding="utf-8"?>
 <p:sld xmlns:a="http://schemas.openxmlformats.org/drawingml/2006/main" xmlns:r="http://schemas.openxmlformats.org/officeDocument/2006/relationships" xmlns:p="http://schemas.openxmlformats.org/presentationml/2006/main">
   <p:cSld>
     <p:spTree>
@@ -9740,352 +10120,10 @@
       </p:grpSpPr>
       <p:sp>
         <p:nvSpPr>
-          <p:cNvPr id="2" name="Title 1">
+          <p:cNvPr id="5" name="TextBox 4">
             <a:extLst>
               <a:ext uri="{FF2B5EF4-FFF2-40B4-BE49-F238E27FC236}">
-                <a16:creationId xmlns:a16="http://schemas.microsoft.com/office/drawing/2014/main" id="{F19762D9-7C7C-B5F0-5954-BEF25A6623EA}"/>
-              </a:ext>
-            </a:extLst>
-          </p:cNvPr>
-          <p:cNvSpPr>
-            <a:spLocks noGrp="1"/>
-          </p:cNvSpPr>
-          <p:nvPr>
-            <p:ph type="ctrTitle"/>
-          </p:nvPr>
-        </p:nvSpPr>
-        <p:spPr>
-          <a:xfrm>
-            <a:off x="0" y="857251"/>
-            <a:ext cx="9143999" cy="3982378"/>
-          </a:xfrm>
-        </p:spPr>
-        <p:txBody>
-          <a:bodyPr>
-            <a:normAutofit fontScale="90000"/>
-          </a:bodyPr>
-          <a:lstStyle/>
-          <a:p>
-            <a:pPr algn="l"/>
-            <a:r>
-              <a:rPr lang="en-US" sz="3000" b="1" dirty="0"/>
-              <a:t>9/03/2022</a:t>
-            </a:r>
-            <a:br>
-              <a:rPr lang="en-US" sz="3000" b="1" dirty="0"/>
-            </a:br>
-            <a:br>
-              <a:rPr lang="en-US" sz="3000" b="1" dirty="0"/>
-            </a:br>
-            <a:r>
-              <a:rPr lang="en-US" sz="3000" b="1" dirty="0"/>
-              <a:t>Today/</a:t>
-            </a:r>
-            <a:r>
-              <a:rPr lang="zh-CN" altLang="en-US" sz="3000" b="1" dirty="0"/>
-              <a:t>今天：</a:t>
-            </a:r>
-            <a:br>
-              <a:rPr lang="en-US" altLang="zh-CN" sz="3000" b="1" dirty="0"/>
-            </a:br>
-            <a:r>
-              <a:rPr lang="en-US" altLang="zh-CN" sz="2400" dirty="0"/>
-              <a:t>1. Review 8/27. Quiz.</a:t>
-            </a:r>
-            <a:r>
-              <a:rPr lang="zh-CN" altLang="en-US" sz="2400" dirty="0"/>
-              <a:t>  </a:t>
-            </a:r>
-            <a:r>
-              <a:rPr lang="en-US" altLang="zh-CN" sz="2400" dirty="0"/>
-              <a:t>(</a:t>
-            </a:r>
-            <a:r>
-              <a:rPr lang="zh-CN" altLang="en-US" sz="2400" dirty="0"/>
-              <a:t>复习</a:t>
-            </a:r>
-            <a:r>
-              <a:rPr lang="en-US" altLang="zh-CN" sz="2400" dirty="0"/>
-              <a:t>/</a:t>
-            </a:r>
-            <a:r>
-              <a:rPr lang="zh-CN" altLang="en-US" sz="2400" dirty="0"/>
-              <a:t>小测试） </a:t>
-            </a:r>
-            <a:r>
-              <a:rPr lang="en-US" altLang="zh-CN" sz="2400" dirty="0"/>
-              <a:t>--- 10 min/</a:t>
-            </a:r>
-            <a:r>
-              <a:rPr lang="zh-CN" altLang="en-US" sz="2400" dirty="0"/>
-              <a:t>分钟</a:t>
-            </a:r>
-            <a:br>
-              <a:rPr lang="en-US" altLang="zh-CN" sz="2400" dirty="0"/>
-            </a:br>
-            <a:r>
-              <a:rPr lang="en-US" altLang="zh-CN" sz="2400" dirty="0"/>
-              <a:t>2. </a:t>
-            </a:r>
-            <a:r>
-              <a:rPr lang="en-US" altLang="zh-CN" sz="2400" dirty="0" err="1"/>
-              <a:t>Conda</a:t>
-            </a:r>
-            <a:r>
-              <a:rPr lang="en-US" altLang="zh-CN" sz="2400" dirty="0"/>
-              <a:t> Environment Setup (</a:t>
-            </a:r>
-            <a:r>
-              <a:rPr lang="en-US" altLang="zh-CN" sz="2400" dirty="0" err="1"/>
-              <a:t>Conda</a:t>
-            </a:r>
-            <a:r>
-              <a:rPr lang="en-US" altLang="zh-CN" sz="2400" dirty="0"/>
-              <a:t> </a:t>
-            </a:r>
-            <a:r>
-              <a:rPr lang="zh-CN" altLang="en-US" sz="2400" dirty="0"/>
-              <a:t>环境建立</a:t>
-            </a:r>
-            <a:r>
-              <a:rPr lang="en-US" altLang="zh-CN" sz="2400" dirty="0"/>
-              <a:t>/</a:t>
-            </a:r>
-            <a:r>
-              <a:rPr lang="zh-CN" altLang="en-US" sz="2400" dirty="0"/>
-              <a:t>测试）</a:t>
-            </a:r>
-            <a:r>
-              <a:rPr lang="en-US" altLang="zh-CN" sz="2400" dirty="0"/>
-              <a:t>--- 45 min/</a:t>
-            </a:r>
-            <a:r>
-              <a:rPr lang="zh-CN" altLang="en-US" sz="2400" dirty="0"/>
-              <a:t>分钟</a:t>
-            </a:r>
-            <a:br>
-              <a:rPr lang="en-US" altLang="zh-CN" sz="2400" dirty="0"/>
-            </a:br>
-            <a:r>
-              <a:rPr lang="en-US" altLang="zh-CN" sz="2400" dirty="0"/>
-              <a:t>3. Git Setup. Git practice. </a:t>
-            </a:r>
-            <a:r>
-              <a:rPr lang="zh-CN" altLang="en-US" sz="2400" dirty="0"/>
-              <a:t>建立</a:t>
-            </a:r>
-            <a:r>
-              <a:rPr lang="en-US" altLang="zh-CN" sz="2400" dirty="0"/>
-              <a:t>Git, Git </a:t>
-            </a:r>
-            <a:r>
-              <a:rPr lang="zh-CN" altLang="en-US" sz="2400" dirty="0"/>
-              <a:t>练习</a:t>
-            </a:r>
-            <a:r>
-              <a:rPr lang="en-US" altLang="zh-CN" sz="2400" dirty="0"/>
-              <a:t> --- 60 -120 min/</a:t>
-            </a:r>
-            <a:r>
-              <a:rPr lang="zh-CN" altLang="en-US" sz="2400" dirty="0"/>
-              <a:t>分钟</a:t>
-            </a:r>
-            <a:br>
-              <a:rPr lang="en-US" altLang="zh-CN" sz="2400" dirty="0"/>
-            </a:br>
-            <a:r>
-              <a:rPr lang="en-US" altLang="zh-CN" sz="2400" dirty="0"/>
-              <a:t>4. Predictive Maintenance Part I / </a:t>
-            </a:r>
-            <a:r>
-              <a:rPr lang="zh-CN" altLang="en-US" sz="2400" dirty="0"/>
-              <a:t>智能维护， 第一部分 </a:t>
-            </a:r>
-            <a:r>
-              <a:rPr lang="en-US" altLang="zh-CN" sz="2400" dirty="0"/>
-              <a:t>--- 30 min/</a:t>
-            </a:r>
-            <a:r>
-              <a:rPr lang="zh-CN" altLang="en-US" sz="2400" dirty="0"/>
-              <a:t>分钟</a:t>
-            </a:r>
-            <a:br>
-              <a:rPr lang="en-US" altLang="zh-CN" sz="2400" dirty="0"/>
-            </a:br>
-            <a:r>
-              <a:rPr lang="en-US" altLang="zh-CN" sz="2400" dirty="0"/>
-              <a:t>5. Team up / Datasets </a:t>
-            </a:r>
-            <a:r>
-              <a:rPr lang="zh-CN" altLang="en-US" sz="2400" dirty="0"/>
-              <a:t>分组</a:t>
-            </a:r>
-            <a:r>
-              <a:rPr lang="en-US" altLang="zh-CN" sz="2400" dirty="0"/>
-              <a:t>/</a:t>
-            </a:r>
-            <a:r>
-              <a:rPr lang="zh-CN" altLang="en-US" sz="2400" dirty="0"/>
-              <a:t>数据包 </a:t>
-            </a:r>
-            <a:r>
-              <a:rPr lang="en-US" altLang="zh-CN" sz="2400" dirty="0"/>
-              <a:t>--- 20 min/</a:t>
-            </a:r>
-            <a:r>
-              <a:rPr lang="zh-CN" altLang="en-US" sz="2400" dirty="0"/>
-              <a:t>分钟 </a:t>
-            </a:r>
-            <a:br>
-              <a:rPr lang="en-US" altLang="zh-CN" sz="2400" dirty="0"/>
-            </a:br>
-            <a:r>
-              <a:rPr lang="en-US" altLang="zh-CN" sz="2400" dirty="0"/>
-              <a:t>6. Q n A. </a:t>
-            </a:r>
-            <a:r>
-              <a:rPr lang="zh-CN" altLang="en-US" sz="2400" dirty="0"/>
-              <a:t>问答 </a:t>
-            </a:r>
-            <a:r>
-              <a:rPr lang="en-US" altLang="zh-CN" sz="2400" dirty="0"/>
-              <a:t>--- 20 min/</a:t>
-            </a:r>
-            <a:r>
-              <a:rPr lang="zh-CN" altLang="en-US" sz="2400" dirty="0"/>
-              <a:t>分钟</a:t>
-            </a:r>
-            <a:br>
-              <a:rPr lang="en-US" altLang="zh-CN" sz="2400" b="1" dirty="0"/>
-            </a:br>
-            <a:endParaRPr lang="en-US" sz="3000" dirty="0"/>
-          </a:p>
-        </p:txBody>
-      </p:sp>
-      <p:sp>
-        <p:nvSpPr>
-          <p:cNvPr id="3" name="TextBox 2">
-            <a:extLst>
-              <a:ext uri="{FF2B5EF4-FFF2-40B4-BE49-F238E27FC236}">
-                <a16:creationId xmlns:a16="http://schemas.microsoft.com/office/drawing/2014/main" id="{AF8FC9BB-9DB2-095C-1565-78DB9BCA5227}"/>
-              </a:ext>
-            </a:extLst>
-          </p:cNvPr>
-          <p:cNvSpPr txBox="1"/>
-          <p:nvPr/>
-        </p:nvSpPr>
-        <p:spPr>
-          <a:xfrm>
-            <a:off x="7165428" y="857250"/>
-            <a:ext cx="1978573" cy="323165"/>
-          </a:xfrm>
-          <a:prstGeom prst="rect">
-            <a:avLst/>
-          </a:prstGeom>
-          <a:noFill/>
-        </p:spPr>
-        <p:txBody>
-          <a:bodyPr wrap="square" rtlCol="0">
-            <a:spAutoFit/>
-          </a:bodyPr>
-          <a:lstStyle/>
-          <a:p>
-            <a:pPr algn="r"/>
-            <a:r>
-              <a:rPr lang="en-US" altLang="zh-CN" sz="1500" dirty="0">
-                <a:solidFill>
-                  <a:schemeClr val="bg1">
-                    <a:lumMod val="85000"/>
-                  </a:schemeClr>
-                </a:solidFill>
-              </a:rPr>
-              <a:t>AAFIE, 2022</a:t>
-            </a:r>
-            <a:endParaRPr lang="en-US" sz="1500" dirty="0">
-              <a:solidFill>
-                <a:schemeClr val="bg1">
-                  <a:lumMod val="85000"/>
-                </a:schemeClr>
-              </a:solidFill>
-            </a:endParaRPr>
-          </a:p>
-        </p:txBody>
-      </p:sp>
-      <p:sp>
-        <p:nvSpPr>
-          <p:cNvPr id="6" name="TextBox 5">
-            <a:extLst>
-              <a:ext uri="{FF2B5EF4-FFF2-40B4-BE49-F238E27FC236}">
-                <a16:creationId xmlns:a16="http://schemas.microsoft.com/office/drawing/2014/main" id="{F46F599D-4A46-30EB-7FF9-190285EB25B6}"/>
-              </a:ext>
-            </a:extLst>
-          </p:cNvPr>
-          <p:cNvSpPr txBox="1"/>
-          <p:nvPr/>
-        </p:nvSpPr>
-        <p:spPr>
-          <a:xfrm>
-            <a:off x="6668428" y="5273770"/>
-            <a:ext cx="2475571" cy="1015663"/>
-          </a:xfrm>
-          <a:prstGeom prst="rect">
-            <a:avLst/>
-          </a:prstGeom>
-          <a:noFill/>
-        </p:spPr>
-        <p:txBody>
-          <a:bodyPr wrap="square">
-            <a:spAutoFit/>
-          </a:bodyPr>
-          <a:lstStyle/>
-          <a:p>
-            <a:r>
-              <a:rPr lang="zh-CN" altLang="en-US" sz="1500" dirty="0"/>
-              <a:t>第一节：</a:t>
-            </a:r>
-            <a:r>
-              <a:rPr lang="en-US" sz="1500" dirty="0"/>
-              <a:t>8:30-9:15</a:t>
-            </a:r>
-          </a:p>
-          <a:p>
-            <a:r>
-              <a:rPr lang="zh-CN" altLang="en-US" sz="1500" dirty="0"/>
-              <a:t>第二节： </a:t>
-            </a:r>
-            <a:r>
-              <a:rPr lang="en-US" sz="1500" dirty="0"/>
-              <a:t>9:20-10:05</a:t>
-            </a:r>
-          </a:p>
-          <a:p>
-            <a:r>
-              <a:rPr lang="zh-CN" altLang="en-US" sz="1500" dirty="0"/>
-              <a:t>第三节： </a:t>
-            </a:r>
-            <a:r>
-              <a:rPr lang="en-US" sz="1500" dirty="0"/>
-              <a:t>10:15-11:00</a:t>
-            </a:r>
-          </a:p>
-          <a:p>
-            <a:r>
-              <a:rPr lang="zh-CN" altLang="en-US" sz="1500" dirty="0"/>
-              <a:t>第四节： </a:t>
-            </a:r>
-            <a:r>
-              <a:rPr lang="en-US" sz="1500" dirty="0"/>
-              <a:t>11:05-11:50</a:t>
-            </a:r>
-          </a:p>
-        </p:txBody>
-      </p:sp>
-      <p:sp>
-        <p:nvSpPr>
-          <p:cNvPr id="7" name="TextBox 6">
-            <a:extLst>
-              <a:ext uri="{FF2B5EF4-FFF2-40B4-BE49-F238E27FC236}">
-                <a16:creationId xmlns:a16="http://schemas.microsoft.com/office/drawing/2014/main" id="{85817C82-AC0C-1246-7BC5-03F1FF02BDBE}"/>
+                <a16:creationId xmlns:a16="http://schemas.microsoft.com/office/drawing/2014/main" id="{C7914632-9AE7-00B6-EF53-A7A868C55576}"/>
               </a:ext>
             </a:extLst>
           </p:cNvPr>
@@ -10124,10 +10162,94 @@
           </a:p>
         </p:txBody>
       </p:sp>
+      <p:sp>
+        <p:nvSpPr>
+          <p:cNvPr id="6" name="TextBox 5">
+            <a:extLst>
+              <a:ext uri="{FF2B5EF4-FFF2-40B4-BE49-F238E27FC236}">
+                <a16:creationId xmlns:a16="http://schemas.microsoft.com/office/drawing/2014/main" id="{BE7B4E40-BD46-A656-3B6A-52AEDEBDC3AB}"/>
+              </a:ext>
+            </a:extLst>
+          </p:cNvPr>
+          <p:cNvSpPr txBox="1"/>
+          <p:nvPr/>
+        </p:nvSpPr>
+        <p:spPr>
+          <a:xfrm>
+            <a:off x="78058" y="924463"/>
+            <a:ext cx="8842917" cy="892552"/>
+          </a:xfrm>
+          <a:prstGeom prst="rect">
+            <a:avLst/>
+          </a:prstGeom>
+          <a:noFill/>
+        </p:spPr>
+        <p:txBody>
+          <a:bodyPr wrap="square">
+            <a:spAutoFit/>
+          </a:bodyPr>
+          <a:lstStyle/>
+          <a:p>
+            <a:r>
+              <a:rPr lang="en-US" altLang="zh-CN" sz="2400" dirty="0"/>
+              <a:t>Thank you for participating</a:t>
+            </a:r>
+            <a:r>
+              <a:rPr lang="zh-CN" altLang="en-US" sz="2400" dirty="0"/>
+              <a:t>：</a:t>
+            </a:r>
+            <a:endParaRPr lang="en-US" altLang="zh-CN" sz="2400" dirty="0"/>
+          </a:p>
+          <a:p>
+            <a:endParaRPr lang="en-US" sz="2800" dirty="0"/>
+          </a:p>
+        </p:txBody>
+      </p:sp>
+      <p:sp>
+        <p:nvSpPr>
+          <p:cNvPr id="3" name="TextBox 2">
+            <a:extLst>
+              <a:ext uri="{FF2B5EF4-FFF2-40B4-BE49-F238E27FC236}">
+                <a16:creationId xmlns:a16="http://schemas.microsoft.com/office/drawing/2014/main" id="{E8DBB7EA-97DD-27CB-9A9C-46537F68BC65}"/>
+              </a:ext>
+            </a:extLst>
+          </p:cNvPr>
+          <p:cNvSpPr txBox="1"/>
+          <p:nvPr/>
+        </p:nvSpPr>
+        <p:spPr>
+          <a:xfrm>
+            <a:off x="78058" y="2249867"/>
+            <a:ext cx="8408020" cy="307777"/>
+          </a:xfrm>
+          <a:prstGeom prst="rect">
+            <a:avLst/>
+          </a:prstGeom>
+          <a:noFill/>
+        </p:spPr>
+        <p:txBody>
+          <a:bodyPr wrap="square">
+            <a:spAutoFit/>
+          </a:bodyPr>
+          <a:lstStyle/>
+          <a:p>
+            <a:pPr algn="ctr"/>
+            <a:r>
+              <a:rPr lang="en-US" sz="1400" dirty="0"/>
+              <a:t>https://github.com/stemproaca/pdm/blob/classes/ExcellentParticipations.</a:t>
+            </a:r>
+            <a:r>
+              <a:rPr lang="en-US" altLang="zh-CN" sz="1400" dirty="0"/>
+              <a:t>xlsx</a:t>
+            </a:r>
+            <a:endParaRPr lang="en-US" sz="1400" dirty="0"/>
+          </a:p>
+        </p:txBody>
+      </p:sp>
     </p:spTree>
     <p:extLst>
       <p:ext uri="{BB962C8B-B14F-4D97-AF65-F5344CB8AC3E}">
-        <p14:creationId xmlns:p14="http://schemas.microsoft.com/office/powerpoint/2010/main" val="3110776245"/>
+        <p14:creationId xmlns:p14="http://schemas.microsoft.com/office/powerpoint/2010/main" val="589656201"/>
       </p:ext>
     </p:extLst>
   </p:cSld>
@@ -10172,6 +10294,422 @@
         </p:nvSpPr>
         <p:spPr>
           <a:xfrm>
+            <a:off x="0" y="857251"/>
+            <a:ext cx="9143999" cy="3982378"/>
+          </a:xfrm>
+        </p:spPr>
+        <p:txBody>
+          <a:bodyPr>
+            <a:normAutofit fontScale="90000"/>
+          </a:bodyPr>
+          <a:lstStyle/>
+          <a:p>
+            <a:pPr algn="l"/>
+            <a:r>
+              <a:rPr lang="en-US" sz="3000" b="1" dirty="0"/>
+              <a:t>9/03/2022</a:t>
+            </a:r>
+            <a:br>
+              <a:rPr lang="en-US" sz="3000" b="1" dirty="0"/>
+            </a:br>
+            <a:br>
+              <a:rPr lang="en-US" sz="3000" b="1" dirty="0"/>
+            </a:br>
+            <a:r>
+              <a:rPr lang="en-US" sz="3000" b="1" dirty="0"/>
+              <a:t>Today/</a:t>
+            </a:r>
+            <a:r>
+              <a:rPr lang="zh-CN" altLang="en-US" sz="3000" b="1" dirty="0"/>
+              <a:t>今天：</a:t>
+            </a:r>
+            <a:br>
+              <a:rPr lang="en-US" altLang="zh-CN" sz="3000" b="1" dirty="0"/>
+            </a:br>
+            <a:r>
+              <a:rPr lang="en-US" altLang="zh-CN" sz="2400" dirty="0"/>
+              <a:t>1. Review 8/27. Quiz.</a:t>
+            </a:r>
+            <a:r>
+              <a:rPr lang="zh-CN" altLang="en-US" sz="2400" dirty="0"/>
+              <a:t>  </a:t>
+            </a:r>
+            <a:r>
+              <a:rPr lang="en-US" altLang="zh-CN" sz="2400" dirty="0"/>
+              <a:t>(</a:t>
+            </a:r>
+            <a:r>
+              <a:rPr lang="zh-CN" altLang="en-US" sz="2400" dirty="0"/>
+              <a:t>复习</a:t>
+            </a:r>
+            <a:r>
+              <a:rPr lang="en-US" altLang="zh-CN" sz="2400" dirty="0"/>
+              <a:t>/</a:t>
+            </a:r>
+            <a:r>
+              <a:rPr lang="zh-CN" altLang="en-US" sz="2400" dirty="0"/>
+              <a:t>小测试） </a:t>
+            </a:r>
+            <a:r>
+              <a:rPr lang="en-US" altLang="zh-CN" sz="2400" dirty="0"/>
+              <a:t>--- 10 min/</a:t>
+            </a:r>
+            <a:r>
+              <a:rPr lang="zh-CN" altLang="en-US" sz="2400" dirty="0"/>
+              <a:t>分钟</a:t>
+            </a:r>
+            <a:br>
+              <a:rPr lang="en-US" altLang="zh-CN" sz="2400" dirty="0"/>
+            </a:br>
+            <a:r>
+              <a:rPr lang="en-US" altLang="zh-CN" sz="2400" dirty="0"/>
+              <a:t>2. </a:t>
+            </a:r>
+            <a:r>
+              <a:rPr lang="en-US" altLang="zh-CN" sz="2400" dirty="0" err="1"/>
+              <a:t>Conda</a:t>
+            </a:r>
+            <a:r>
+              <a:rPr lang="en-US" altLang="zh-CN" sz="2400" dirty="0"/>
+              <a:t> Environment Setup (</a:t>
+            </a:r>
+            <a:r>
+              <a:rPr lang="en-US" altLang="zh-CN" sz="2400" dirty="0" err="1"/>
+              <a:t>Conda</a:t>
+            </a:r>
+            <a:r>
+              <a:rPr lang="en-US" altLang="zh-CN" sz="2400" dirty="0"/>
+              <a:t> </a:t>
+            </a:r>
+            <a:r>
+              <a:rPr lang="zh-CN" altLang="en-US" sz="2400" dirty="0"/>
+              <a:t>环境建立</a:t>
+            </a:r>
+            <a:r>
+              <a:rPr lang="en-US" altLang="zh-CN" sz="2400" dirty="0"/>
+              <a:t>/</a:t>
+            </a:r>
+            <a:r>
+              <a:rPr lang="zh-CN" altLang="en-US" sz="2400" dirty="0"/>
+              <a:t>测试）</a:t>
+            </a:r>
+            <a:r>
+              <a:rPr lang="en-US" altLang="zh-CN" sz="2400" dirty="0"/>
+              <a:t>--- 45 min/</a:t>
+            </a:r>
+            <a:r>
+              <a:rPr lang="zh-CN" altLang="en-US" sz="2400" dirty="0"/>
+              <a:t>分钟</a:t>
+            </a:r>
+            <a:br>
+              <a:rPr lang="en-US" altLang="zh-CN" sz="2400" dirty="0"/>
+            </a:br>
+            <a:r>
+              <a:rPr lang="en-US" altLang="zh-CN" sz="2400" dirty="0"/>
+              <a:t>3. Git Setup. Git practice. </a:t>
+            </a:r>
+            <a:r>
+              <a:rPr lang="zh-CN" altLang="en-US" sz="2400" dirty="0"/>
+              <a:t>建立</a:t>
+            </a:r>
+            <a:r>
+              <a:rPr lang="en-US" altLang="zh-CN" sz="2400" dirty="0"/>
+              <a:t>Git, Git </a:t>
+            </a:r>
+            <a:r>
+              <a:rPr lang="zh-CN" altLang="en-US" sz="2400" dirty="0"/>
+              <a:t>练习</a:t>
+            </a:r>
+            <a:r>
+              <a:rPr lang="en-US" altLang="zh-CN" sz="2400" dirty="0"/>
+              <a:t> --- 60 -120 min/</a:t>
+            </a:r>
+            <a:r>
+              <a:rPr lang="zh-CN" altLang="en-US" sz="2400" dirty="0"/>
+              <a:t>分钟</a:t>
+            </a:r>
+            <a:br>
+              <a:rPr lang="en-US" altLang="zh-CN" sz="2400" dirty="0"/>
+            </a:br>
+            <a:r>
+              <a:rPr lang="en-US" altLang="zh-CN" sz="2400" dirty="0"/>
+              <a:t>4. Predictive Maintenance Part I / </a:t>
+            </a:r>
+            <a:r>
+              <a:rPr lang="zh-CN" altLang="en-US" sz="2400" dirty="0"/>
+              <a:t>智能维护， 第一部分 </a:t>
+            </a:r>
+            <a:r>
+              <a:rPr lang="en-US" altLang="zh-CN" sz="2400" dirty="0"/>
+              <a:t>--- 30 min/</a:t>
+            </a:r>
+            <a:r>
+              <a:rPr lang="zh-CN" altLang="en-US" sz="2400" dirty="0"/>
+              <a:t>分钟</a:t>
+            </a:r>
+            <a:br>
+              <a:rPr lang="en-US" altLang="zh-CN" sz="2400" dirty="0"/>
+            </a:br>
+            <a:r>
+              <a:rPr lang="en-US" altLang="zh-CN" sz="2400" dirty="0"/>
+              <a:t>5. Team up / Datasets </a:t>
+            </a:r>
+            <a:r>
+              <a:rPr lang="zh-CN" altLang="en-US" sz="2400" dirty="0"/>
+              <a:t>分组</a:t>
+            </a:r>
+            <a:r>
+              <a:rPr lang="en-US" altLang="zh-CN" sz="2400" dirty="0"/>
+              <a:t>/</a:t>
+            </a:r>
+            <a:r>
+              <a:rPr lang="zh-CN" altLang="en-US" sz="2400" dirty="0"/>
+              <a:t>数据包 </a:t>
+            </a:r>
+            <a:r>
+              <a:rPr lang="en-US" altLang="zh-CN" sz="2400" dirty="0"/>
+              <a:t>--- 20 min/</a:t>
+            </a:r>
+            <a:r>
+              <a:rPr lang="zh-CN" altLang="en-US" sz="2400" dirty="0"/>
+              <a:t>分钟 </a:t>
+            </a:r>
+            <a:br>
+              <a:rPr lang="en-US" altLang="zh-CN" sz="2400" dirty="0"/>
+            </a:br>
+            <a:r>
+              <a:rPr lang="en-US" altLang="zh-CN" sz="2400" dirty="0"/>
+              <a:t>6. Q n A. </a:t>
+            </a:r>
+            <a:r>
+              <a:rPr lang="zh-CN" altLang="en-US" sz="2400" dirty="0"/>
+              <a:t>问答 </a:t>
+            </a:r>
+            <a:r>
+              <a:rPr lang="en-US" altLang="zh-CN" sz="2400" dirty="0"/>
+              <a:t>--- 20 min/</a:t>
+            </a:r>
+            <a:r>
+              <a:rPr lang="zh-CN" altLang="en-US" sz="2400" dirty="0"/>
+              <a:t>分钟</a:t>
+            </a:r>
+            <a:br>
+              <a:rPr lang="en-US" altLang="zh-CN" sz="2400" b="1" dirty="0"/>
+            </a:br>
+            <a:endParaRPr lang="en-US" sz="3000" dirty="0"/>
+          </a:p>
+        </p:txBody>
+      </p:sp>
+      <p:sp>
+        <p:nvSpPr>
+          <p:cNvPr id="3" name="TextBox 2">
+            <a:extLst>
+              <a:ext uri="{FF2B5EF4-FFF2-40B4-BE49-F238E27FC236}">
+                <a16:creationId xmlns:a16="http://schemas.microsoft.com/office/drawing/2014/main" id="{AF8FC9BB-9DB2-095C-1565-78DB9BCA5227}"/>
+              </a:ext>
+            </a:extLst>
+          </p:cNvPr>
+          <p:cNvSpPr txBox="1"/>
+          <p:nvPr/>
+        </p:nvSpPr>
+        <p:spPr>
+          <a:xfrm>
+            <a:off x="7165428" y="857250"/>
+            <a:ext cx="1978573" cy="323165"/>
+          </a:xfrm>
+          <a:prstGeom prst="rect">
+            <a:avLst/>
+          </a:prstGeom>
+          <a:noFill/>
+        </p:spPr>
+        <p:txBody>
+          <a:bodyPr wrap="square" rtlCol="0">
+            <a:spAutoFit/>
+          </a:bodyPr>
+          <a:lstStyle/>
+          <a:p>
+            <a:pPr algn="r"/>
+            <a:r>
+              <a:rPr lang="en-US" altLang="zh-CN" sz="1500" dirty="0">
+                <a:solidFill>
+                  <a:schemeClr val="bg1">
+                    <a:lumMod val="85000"/>
+                  </a:schemeClr>
+                </a:solidFill>
+              </a:rPr>
+              <a:t>AAFIE, 2022</a:t>
+            </a:r>
+            <a:endParaRPr lang="en-US" sz="1500" dirty="0">
+              <a:solidFill>
+                <a:schemeClr val="bg1">
+                  <a:lumMod val="85000"/>
+                </a:schemeClr>
+              </a:solidFill>
+            </a:endParaRPr>
+          </a:p>
+        </p:txBody>
+      </p:sp>
+      <p:sp>
+        <p:nvSpPr>
+          <p:cNvPr id="6" name="TextBox 5">
+            <a:extLst>
+              <a:ext uri="{FF2B5EF4-FFF2-40B4-BE49-F238E27FC236}">
+                <a16:creationId xmlns:a16="http://schemas.microsoft.com/office/drawing/2014/main" id="{F46F599D-4A46-30EB-7FF9-190285EB25B6}"/>
+              </a:ext>
+            </a:extLst>
+          </p:cNvPr>
+          <p:cNvSpPr txBox="1"/>
+          <p:nvPr/>
+        </p:nvSpPr>
+        <p:spPr>
+          <a:xfrm>
+            <a:off x="6668428" y="5273770"/>
+            <a:ext cx="2475571" cy="1015663"/>
+          </a:xfrm>
+          <a:prstGeom prst="rect">
+            <a:avLst/>
+          </a:prstGeom>
+          <a:noFill/>
+        </p:spPr>
+        <p:txBody>
+          <a:bodyPr wrap="square">
+            <a:spAutoFit/>
+          </a:bodyPr>
+          <a:lstStyle/>
+          <a:p>
+            <a:r>
+              <a:rPr lang="zh-CN" altLang="en-US" sz="1500" dirty="0"/>
+              <a:t>第一节：</a:t>
+            </a:r>
+            <a:r>
+              <a:rPr lang="en-US" sz="1500" dirty="0"/>
+              <a:t>8:30-9:15</a:t>
+            </a:r>
+          </a:p>
+          <a:p>
+            <a:r>
+              <a:rPr lang="zh-CN" altLang="en-US" sz="1500" dirty="0"/>
+              <a:t>第二节： </a:t>
+            </a:r>
+            <a:r>
+              <a:rPr lang="en-US" sz="1500" dirty="0"/>
+              <a:t>9:20-10:05</a:t>
+            </a:r>
+          </a:p>
+          <a:p>
+            <a:r>
+              <a:rPr lang="zh-CN" altLang="en-US" sz="1500" dirty="0"/>
+              <a:t>第三节： </a:t>
+            </a:r>
+            <a:r>
+              <a:rPr lang="en-US" sz="1500" dirty="0"/>
+              <a:t>10:15-11:00</a:t>
+            </a:r>
+          </a:p>
+          <a:p>
+            <a:r>
+              <a:rPr lang="zh-CN" altLang="en-US" sz="1500" dirty="0"/>
+              <a:t>第四节： </a:t>
+            </a:r>
+            <a:r>
+              <a:rPr lang="en-US" sz="1500" dirty="0"/>
+              <a:t>11:05-11:50</a:t>
+            </a:r>
+          </a:p>
+        </p:txBody>
+      </p:sp>
+      <p:sp>
+        <p:nvSpPr>
+          <p:cNvPr id="7" name="TextBox 6">
+            <a:extLst>
+              <a:ext uri="{FF2B5EF4-FFF2-40B4-BE49-F238E27FC236}">
+                <a16:creationId xmlns:a16="http://schemas.microsoft.com/office/drawing/2014/main" id="{85817C82-AC0C-1246-7BC5-03F1FF02BDBE}"/>
+              </a:ext>
+            </a:extLst>
+          </p:cNvPr>
+          <p:cNvSpPr txBox="1"/>
+          <p:nvPr/>
+        </p:nvSpPr>
+        <p:spPr>
+          <a:xfrm>
+            <a:off x="78059" y="103457"/>
+            <a:ext cx="7828156" cy="523220"/>
+          </a:xfrm>
+          <a:prstGeom prst="rect">
+            <a:avLst/>
+          </a:prstGeom>
+          <a:noFill/>
+        </p:spPr>
+        <p:txBody>
+          <a:bodyPr wrap="square">
+            <a:spAutoFit/>
+          </a:bodyPr>
+          <a:lstStyle/>
+          <a:p>
+            <a:r>
+              <a:rPr lang="en-US" altLang="zh-CN" sz="2800" b="1" dirty="0" err="1"/>
+              <a:t>Pmd</a:t>
+            </a:r>
+            <a:r>
+              <a:rPr lang="en-US" altLang="zh-CN" sz="2800" b="1" dirty="0"/>
+              <a:t> Logistics / </a:t>
+            </a:r>
+            <a:r>
+              <a:rPr lang="zh-CN" altLang="en-US" sz="2800" b="1" dirty="0"/>
+              <a:t>预备</a:t>
+            </a:r>
+            <a:endParaRPr lang="en-US" sz="2800" dirty="0"/>
+          </a:p>
+        </p:txBody>
+      </p:sp>
+    </p:spTree>
+    <p:extLst>
+      <p:ext uri="{BB962C8B-B14F-4D97-AF65-F5344CB8AC3E}">
+        <p14:creationId xmlns:p14="http://schemas.microsoft.com/office/powerpoint/2010/main" val="3110776245"/>
+      </p:ext>
+    </p:extLst>
+  </p:cSld>
+  <p:clrMapOvr>
+    <a:masterClrMapping/>
+  </p:clrMapOvr>
+</p:sld>
+</file>
+
+<file path=ppt/slides/slide8.xml><?xml version="1.0" encoding="utf-8"?>
+<p:sld xmlns:a="http://schemas.openxmlformats.org/drawingml/2006/main" xmlns:r="http://schemas.openxmlformats.org/officeDocument/2006/relationships" xmlns:p="http://schemas.openxmlformats.org/presentationml/2006/main">
+  <p:cSld>
+    <p:spTree>
+      <p:nvGrpSpPr>
+        <p:cNvPr id="1" name=""/>
+        <p:cNvGrpSpPr/>
+        <p:nvPr/>
+      </p:nvGrpSpPr>
+      <p:grpSpPr>
+        <a:xfrm>
+          <a:off x="0" y="0"/>
+          <a:ext cx="0" cy="0"/>
+          <a:chOff x="0" y="0"/>
+          <a:chExt cx="0" cy="0"/>
+        </a:xfrm>
+      </p:grpSpPr>
+      <p:sp>
+        <p:nvSpPr>
+          <p:cNvPr id="2" name="Title 1">
+            <a:extLst>
+              <a:ext uri="{FF2B5EF4-FFF2-40B4-BE49-F238E27FC236}">
+                <a16:creationId xmlns:a16="http://schemas.microsoft.com/office/drawing/2014/main" id="{F19762D9-7C7C-B5F0-5954-BEF25A6623EA}"/>
+              </a:ext>
+            </a:extLst>
+          </p:cNvPr>
+          <p:cNvSpPr>
+            <a:spLocks noGrp="1"/>
+          </p:cNvSpPr>
+          <p:nvPr>
+            <p:ph type="ctrTitle"/>
+          </p:nvPr>
+        </p:nvSpPr>
+        <p:spPr>
+          <a:xfrm>
             <a:off x="1" y="857250"/>
             <a:ext cx="9032488" cy="5432038"/>
           </a:xfrm>
@@ -10719,7 +11257,7 @@
 </p:sld>
 </file>
 
-<file path=ppt/slides/slide8.xml><?xml version="1.0" encoding="utf-8"?>
+<file path=ppt/slides/slide9.xml><?xml version="1.0" encoding="utf-8"?>
 <p:sld xmlns:a="http://schemas.openxmlformats.org/drawingml/2006/main" xmlns:r="http://schemas.openxmlformats.org/officeDocument/2006/relationships" xmlns:p="http://schemas.openxmlformats.org/presentationml/2006/main">
   <p:cSld>
     <p:spTree>
@@ -10825,177 +11363,6 @@
     <p:extLst>
       <p:ext uri="{BB962C8B-B14F-4D97-AF65-F5344CB8AC3E}">
         <p14:creationId xmlns:p14="http://schemas.microsoft.com/office/powerpoint/2010/main" val="1594199581"/>
-      </p:ext>
-    </p:extLst>
-  </p:cSld>
-  <p:clrMapOvr>
-    <a:masterClrMapping/>
-  </p:clrMapOvr>
-</p:sld>
-</file>
-
-<file path=ppt/slides/slide9.xml><?xml version="1.0" encoding="utf-8"?>
-<p:sld xmlns:a="http://schemas.openxmlformats.org/drawingml/2006/main" xmlns:r="http://schemas.openxmlformats.org/officeDocument/2006/relationships" xmlns:p="http://schemas.openxmlformats.org/presentationml/2006/main">
-  <p:cSld>
-    <p:spTree>
-      <p:nvGrpSpPr>
-        <p:cNvPr id="1" name=""/>
-        <p:cNvGrpSpPr/>
-        <p:nvPr/>
-      </p:nvGrpSpPr>
-      <p:grpSpPr>
-        <a:xfrm>
-          <a:off x="0" y="0"/>
-          <a:ext cx="0" cy="0"/>
-          <a:chOff x="0" y="0"/>
-          <a:chExt cx="0" cy="0"/>
-        </a:xfrm>
-      </p:grpSpPr>
-      <p:sp>
-        <p:nvSpPr>
-          <p:cNvPr id="37" name="TextBox 36">
-            <a:extLst>
-              <a:ext uri="{FF2B5EF4-FFF2-40B4-BE49-F238E27FC236}">
-                <a16:creationId xmlns:a16="http://schemas.microsoft.com/office/drawing/2014/main" id="{5BD6C4CA-23E6-C741-AE81-7C46397A0B68}"/>
-              </a:ext>
-            </a:extLst>
-          </p:cNvPr>
-          <p:cNvSpPr txBox="1"/>
-          <p:nvPr/>
-        </p:nvSpPr>
-        <p:spPr>
-          <a:xfrm>
-            <a:off x="731405" y="139114"/>
-            <a:ext cx="3877985" cy="646331"/>
-          </a:xfrm>
-          <a:prstGeom prst="rect">
-            <a:avLst/>
-          </a:prstGeom>
-          <a:noFill/>
-        </p:spPr>
-        <p:txBody>
-          <a:bodyPr wrap="none" rtlCol="0">
-            <a:spAutoFit/>
-          </a:bodyPr>
-          <a:lstStyle/>
-          <a:p>
-            <a:r>
-              <a:rPr lang="zh-CN" altLang="en-US" sz="3600" b="0" dirty="0">
-                <a:latin typeface="Cambria Math" panose="02040503050406030204" pitchFamily="18" charset="0"/>
-                <a:ea typeface="Cambria Math" panose="02040503050406030204" pitchFamily="18" charset="0"/>
-              </a:rPr>
-              <a:t>制造行业</a:t>
-            </a:r>
-            <a:r>
-              <a:rPr lang="en-US" sz="3600" b="0" dirty="0" err="1">
-                <a:latin typeface="Cambria Math" panose="02040503050406030204" pitchFamily="18" charset="0"/>
-                <a:ea typeface="Cambria Math" panose="02040503050406030204" pitchFamily="18" charset="0"/>
-              </a:rPr>
-              <a:t>数智平台</a:t>
-            </a:r>
-            <a:endParaRPr lang="en-US" sz="3600" b="0" dirty="0">
-              <a:latin typeface="Cambria Math" panose="02040503050406030204" pitchFamily="18" charset="0"/>
-              <a:ea typeface="Cambria Math" panose="02040503050406030204" pitchFamily="18" charset="0"/>
-            </a:endParaRPr>
-          </a:p>
-        </p:txBody>
-      </p:sp>
-      <p:sp>
-        <p:nvSpPr>
-          <p:cNvPr id="38" name="TextBox 37">
-            <a:extLst>
-              <a:ext uri="{FF2B5EF4-FFF2-40B4-BE49-F238E27FC236}">
-                <a16:creationId xmlns:a16="http://schemas.microsoft.com/office/drawing/2014/main" id="{47BA4ADE-518D-004D-9355-730C6603875F}"/>
-              </a:ext>
-            </a:extLst>
-          </p:cNvPr>
-          <p:cNvSpPr txBox="1"/>
-          <p:nvPr/>
-        </p:nvSpPr>
-        <p:spPr>
-          <a:xfrm>
-            <a:off x="726141" y="5811471"/>
-            <a:ext cx="8085350" cy="461665"/>
-          </a:xfrm>
-          <a:prstGeom prst="rect">
-            <a:avLst/>
-          </a:prstGeom>
-          <a:noFill/>
-        </p:spPr>
-        <p:txBody>
-          <a:bodyPr wrap="square">
-            <a:spAutoFit/>
-          </a:bodyPr>
-          <a:lstStyle/>
-          <a:p>
-            <a:r>
-              <a:rPr lang="zh-CN" altLang="en-US" sz="2400" b="0" dirty="0">
-                <a:latin typeface="NSimSun" panose="02010609030101010101" pitchFamily="49" charset="-122"/>
-                <a:ea typeface="NSimSun" panose="02010609030101010101" pitchFamily="49" charset="-122"/>
-              </a:rPr>
-              <a:t>通过能源和⼯艺优化降低制造成本，成为简单的</a:t>
-            </a:r>
-            <a:r>
-              <a:rPr lang="en-US" altLang="zh-CN" sz="2400" b="0" dirty="0">
-                <a:latin typeface="NSimSun" panose="02010609030101010101" pitchFamily="49" charset="-122"/>
-                <a:ea typeface="NSimSun" panose="02010609030101010101" pitchFamily="49" charset="-122"/>
-              </a:rPr>
-              <a:t>APP</a:t>
-            </a:r>
-            <a:r>
-              <a:rPr lang="zh-CN" altLang="en-US" sz="2400" b="0" dirty="0">
-                <a:latin typeface="NSimSun" panose="02010609030101010101" pitchFamily="49" charset="-122"/>
-                <a:ea typeface="NSimSun" panose="02010609030101010101" pitchFamily="49" charset="-122"/>
-              </a:rPr>
-              <a:t>开发</a:t>
-            </a:r>
-            <a:endParaRPr lang="en-US" sz="2400" b="0" dirty="0">
-              <a:latin typeface="NSimSun" panose="02010609030101010101" pitchFamily="49" charset="-122"/>
-              <a:ea typeface="NSimSun" panose="02010609030101010101" pitchFamily="49" charset="-122"/>
-            </a:endParaRPr>
-          </a:p>
-        </p:txBody>
-      </p:sp>
-      <p:pic>
-        <p:nvPicPr>
-          <p:cNvPr id="21" name="Picture 20">
-            <a:extLst>
-              <a:ext uri="{FF2B5EF4-FFF2-40B4-BE49-F238E27FC236}">
-                <a16:creationId xmlns:a16="http://schemas.microsoft.com/office/drawing/2014/main" id="{0D10A2F5-2B77-62B4-B01E-DAD327A0C2B8}"/>
-              </a:ext>
-            </a:extLst>
-          </p:cNvPr>
-          <p:cNvPicPr>
-            <a:picLocks noChangeAspect="1"/>
-          </p:cNvPicPr>
-          <p:nvPr/>
-        </p:nvPicPr>
-        <p:blipFill>
-          <a:blip r:embed="rId3">
-            <a:extLst>
-              <a:ext uri="{28A0092B-C50C-407E-A947-70E740481C1C}">
-                <a14:useLocalDpi xmlns:a14="http://schemas.microsoft.com/office/drawing/2010/main" val="0"/>
-              </a:ext>
-            </a:extLst>
-          </a:blip>
-          <a:stretch>
-            <a:fillRect/>
-          </a:stretch>
-        </p:blipFill>
-        <p:spPr>
-          <a:xfrm>
-            <a:off x="486332" y="911567"/>
-            <a:ext cx="8171336" cy="4773781"/>
-          </a:xfrm>
-          <a:prstGeom prst="rect">
-            <a:avLst/>
-          </a:prstGeom>
-        </p:spPr>
-      </p:pic>
-    </p:spTree>
-    <p:extLst>
-      <p:ext uri="{BB962C8B-B14F-4D97-AF65-F5344CB8AC3E}">
-        <p14:creationId xmlns:p14="http://schemas.microsoft.com/office/powerpoint/2010/main" val="241036322"/>
       </p:ext>
     </p:extLst>
   </p:cSld>

--- a/Classes/20220903.pptx
+++ b/Classes/20220903.pptx
@@ -9911,7 +9911,7 @@
             </a:r>
             <a:r>
               <a:rPr lang="en-US" altLang="zh-CN" sz="2400" dirty="0" err="1"/>
-              <a:t>Yangyu</a:t>
+              <a:t>Yangli</a:t>
             </a:r>
             <a:r>
               <a:rPr lang="en-US" altLang="zh-CN" sz="2400" dirty="0"/>
